--- a/program-model-checking.pptx
+++ b/program-model-checking.pptx
@@ -5,27 +5,29 @@
     <p:sldMasterId id="2147483648" r:id="rId1"/>
   </p:sldMasterIdLst>
   <p:notesMasterIdLst>
-    <p:notesMasterId r:id="rId17"/>
+    <p:notesMasterId r:id="rId19"/>
   </p:notesMasterIdLst>
   <p:handoutMasterIdLst>
-    <p:handoutMasterId r:id="rId18"/>
+    <p:handoutMasterId r:id="rId20"/>
   </p:handoutMasterIdLst>
   <p:sldIdLst>
     <p:sldId id="256" r:id="rId2"/>
     <p:sldId id="257" r:id="rId3"/>
     <p:sldId id="258" r:id="rId4"/>
-    <p:sldId id="267" r:id="rId5"/>
-    <p:sldId id="259" r:id="rId6"/>
-    <p:sldId id="265" r:id="rId7"/>
-    <p:sldId id="266" r:id="rId8"/>
-    <p:sldId id="260" r:id="rId9"/>
-    <p:sldId id="269" r:id="rId10"/>
-    <p:sldId id="270" r:id="rId11"/>
-    <p:sldId id="271" r:id="rId12"/>
-    <p:sldId id="262" r:id="rId13"/>
-    <p:sldId id="263" r:id="rId14"/>
-    <p:sldId id="264" r:id="rId15"/>
-    <p:sldId id="268" r:id="rId16"/>
+    <p:sldId id="275" r:id="rId5"/>
+    <p:sldId id="276" r:id="rId6"/>
+    <p:sldId id="259" r:id="rId7"/>
+    <p:sldId id="274" r:id="rId8"/>
+    <p:sldId id="266" r:id="rId9"/>
+    <p:sldId id="260" r:id="rId10"/>
+    <p:sldId id="269" r:id="rId11"/>
+    <p:sldId id="270" r:id="rId12"/>
+    <p:sldId id="271" r:id="rId13"/>
+    <p:sldId id="272" r:id="rId14"/>
+    <p:sldId id="262" r:id="rId15"/>
+    <p:sldId id="263" r:id="rId16"/>
+    <p:sldId id="264" r:id="rId17"/>
+    <p:sldId id="268" r:id="rId18"/>
   </p:sldIdLst>
   <p:sldSz cx="12192000" cy="6858000"/>
   <p:notesSz cx="7315200" cy="9601200"/>
@@ -126,7 +128,7 @@
   </p:defaultTextStyle>
   <p:extLst>
     <p:ext uri="{EFAFB233-063F-42B5-8137-9DF3F51BA10A}">
-      <p15:sldGuideLst xmlns="" xmlns:p15="http://schemas.microsoft.com/office/powerpoint/2012/main">
+      <p15:sldGuideLst xmlns:p15="http://schemas.microsoft.com/office/powerpoint/2012/main" xmlns="">
         <p15:guide id="1" orient="horz" pos="2160">
           <p15:clr>
             <a:srgbClr val="A4A3A4"/>
@@ -225,7 +227,7 @@
           <a:p>
             <a:fld id="{0FCBEF8C-05DE-4EF1-B3D5-0FE0E7E6411E}" type="datetimeFigureOut">
               <a:rPr lang="en-US" smtClean="0"/>
-              <a:t>22-Nov-17</a:t>
+              <a:t>25-Nov-17</a:t>
             </a:fld>
             <a:endParaRPr lang="en-US"/>
           </a:p>
@@ -390,7 +392,7 @@
           <a:p>
             <a:fld id="{8F53463A-9E6F-40F4-A5F9-BE5B7336BBE0}" type="datetimeFigureOut">
               <a:rPr lang="en-US" smtClean="0"/>
-              <a:t>22-Nov-17</a:t>
+              <a:t>25-Nov-17</a:t>
             </a:fld>
             <a:endParaRPr lang="en-US"/>
           </a:p>
@@ -787,7 +789,7 @@
           <a:p>
             <a:fld id="{DB92403D-F9D5-4E12-9FC3-A142C89E8FE4}" type="datetime1">
               <a:rPr lang="en-US" smtClean="0"/>
-              <a:t>22-Nov-17</a:t>
+              <a:t>25-Nov-17</a:t>
             </a:fld>
             <a:endParaRPr lang="en-US"/>
           </a:p>
@@ -955,7 +957,7 @@
           <a:p>
             <a:fld id="{C54D6945-34FB-4841-85EF-82FE234CE16D}" type="datetime1">
               <a:rPr lang="en-US" smtClean="0"/>
-              <a:t>22-Nov-17</a:t>
+              <a:t>25-Nov-17</a:t>
             </a:fld>
             <a:endParaRPr lang="en-US"/>
           </a:p>
@@ -1133,7 +1135,7 @@
           <a:p>
             <a:fld id="{0D672040-6240-4480-B86B-46FD2270B915}" type="datetime1">
               <a:rPr lang="en-US" smtClean="0"/>
-              <a:t>22-Nov-17</a:t>
+              <a:t>25-Nov-17</a:t>
             </a:fld>
             <a:endParaRPr lang="en-US"/>
           </a:p>
@@ -1301,7 +1303,7 @@
           <a:p>
             <a:fld id="{6D9BE4EC-DC2B-4063-90C4-2AAB316EFE42}" type="datetime1">
               <a:rPr lang="en-US" smtClean="0"/>
-              <a:t>22-Nov-17</a:t>
+              <a:t>25-Nov-17</a:t>
             </a:fld>
             <a:endParaRPr lang="en-US"/>
           </a:p>
@@ -1546,7 +1548,7 @@
           <a:p>
             <a:fld id="{EA1EE669-47C7-4569-933A-819CB0C63D49}" type="datetime1">
               <a:rPr lang="en-US" smtClean="0"/>
-              <a:t>22-Nov-17</a:t>
+              <a:t>25-Nov-17</a:t>
             </a:fld>
             <a:endParaRPr lang="en-US"/>
           </a:p>
@@ -1775,7 +1777,7 @@
           <a:p>
             <a:fld id="{3278C984-AA3E-42FF-B0C7-BFAB32FF37DE}" type="datetime1">
               <a:rPr lang="en-US" smtClean="0"/>
-              <a:t>22-Nov-17</a:t>
+              <a:t>25-Nov-17</a:t>
             </a:fld>
             <a:endParaRPr lang="en-US"/>
           </a:p>
@@ -2139,7 +2141,7 @@
           <a:p>
             <a:fld id="{D6D9E85C-7E1E-498C-B091-936310822C21}" type="datetime1">
               <a:rPr lang="en-US" smtClean="0"/>
-              <a:t>22-Nov-17</a:t>
+              <a:t>25-Nov-17</a:t>
             </a:fld>
             <a:endParaRPr lang="en-US"/>
           </a:p>
@@ -2256,7 +2258,7 @@
           <a:p>
             <a:fld id="{62611078-E00E-4980-8268-C64DDD7EF834}" type="datetime1">
               <a:rPr lang="en-US" smtClean="0"/>
-              <a:t>22-Nov-17</a:t>
+              <a:t>25-Nov-17</a:t>
             </a:fld>
             <a:endParaRPr lang="en-US"/>
           </a:p>
@@ -2351,7 +2353,7 @@
           <a:p>
             <a:fld id="{E290CACD-CFC9-4121-B51C-BF79103D5326}" type="datetime1">
               <a:rPr lang="en-US" smtClean="0"/>
-              <a:t>22-Nov-17</a:t>
+              <a:t>25-Nov-17</a:t>
             </a:fld>
             <a:endParaRPr lang="en-US"/>
           </a:p>
@@ -2626,7 +2628,7 @@
           <a:p>
             <a:fld id="{6BAE4B09-FBD4-4A88-B81D-9660505F98C6}" type="datetime1">
               <a:rPr lang="en-US" smtClean="0"/>
-              <a:t>22-Nov-17</a:t>
+              <a:t>25-Nov-17</a:t>
             </a:fld>
             <a:endParaRPr lang="en-US"/>
           </a:p>
@@ -2878,7 +2880,7 @@
           <a:p>
             <a:fld id="{F076337B-8FB4-40EF-B0E7-B684B28D430D}" type="datetime1">
               <a:rPr lang="en-US" smtClean="0"/>
-              <a:t>22-Nov-17</a:t>
+              <a:t>25-Nov-17</a:t>
             </a:fld>
             <a:endParaRPr lang="en-US"/>
           </a:p>
@@ -3089,7 +3091,7 @@
           <a:p>
             <a:fld id="{32313BCD-6F12-4049-8D73-F3763E36230A}" type="datetime1">
               <a:rPr lang="en-US" smtClean="0"/>
-              <a:t>22-Nov-17</a:t>
+              <a:t>25-Nov-17</a:t>
             </a:fld>
             <a:endParaRPr lang="en-US"/>
           </a:p>
@@ -3737,7 +3739,7 @@
           <a:p>
             <a:r>
               <a:rPr lang="en-US" dirty="0" smtClean="0"/>
-              <a:t>Symbolic Pathfinder (SPF)</a:t>
+              <a:t>Java Pathfinder (JPF)</a:t>
             </a:r>
             <a:endParaRPr lang="en-US" dirty="0"/>
           </a:p>
@@ -3788,13 +3790,20 @@
     </p:spTree>
     <p:extLst>
       <p:ext uri="{BB962C8B-B14F-4D97-AF65-F5344CB8AC3E}">
-        <p14:creationId xmlns:p14="http://schemas.microsoft.com/office/powerpoint/2010/main" val="2761225488"/>
+        <p14:creationId xmlns:p14="http://schemas.microsoft.com/office/powerpoint/2010/main" val="1085754501"/>
       </p:ext>
     </p:extLst>
   </p:cSld>
   <p:clrMapOvr>
     <a:masterClrMapping/>
   </p:clrMapOvr>
+  <p:timing>
+    <p:tnLst>
+      <p:par>
+        <p:cTn id="1" dur="indefinite" restart="never" nodeType="tmRoot"/>
+      </p:par>
+    </p:tnLst>
+  </p:timing>
 </p:sld>
 </file>
 
@@ -3832,7 +3841,7 @@
           <a:p>
             <a:r>
               <a:rPr lang="en-US" dirty="0" smtClean="0"/>
-              <a:t>CBMC</a:t>
+              <a:t>Symbolic Pathfinder (SPF)</a:t>
             </a:r>
             <a:endParaRPr lang="en-US" dirty="0"/>
           </a:p>
@@ -3883,13 +3892,20 @@
     </p:spTree>
     <p:extLst>
       <p:ext uri="{BB962C8B-B14F-4D97-AF65-F5344CB8AC3E}">
-        <p14:creationId xmlns:p14="http://schemas.microsoft.com/office/powerpoint/2010/main" val="2523822583"/>
+        <p14:creationId xmlns:p14="http://schemas.microsoft.com/office/powerpoint/2010/main" val="2761225488"/>
       </p:ext>
     </p:extLst>
   </p:cSld>
   <p:clrMapOvr>
     <a:masterClrMapping/>
   </p:clrMapOvr>
+  <p:timing>
+    <p:tnLst>
+      <p:par>
+        <p:cTn id="1" dur="indefinite" restart="never" nodeType="tmRoot"/>
+      </p:par>
+    </p:tnLst>
+  </p:timing>
 </p:sld>
 </file>
 
@@ -3927,9 +3943,28 @@
           <a:p>
             <a:r>
               <a:rPr lang="en-US" dirty="0" smtClean="0"/>
-              <a:t>Bounded Model Checking of C [1]</a:t>
+              <a:t>CBMC</a:t>
             </a:r>
             <a:endParaRPr lang="en-US" dirty="0"/>
+          </a:p>
+        </p:txBody>
+      </p:sp>
+      <p:sp>
+        <p:nvSpPr>
+          <p:cNvPr id="3" name="Espaço Reservado para Texto 2"/>
+          <p:cNvSpPr>
+            <a:spLocks noGrp="1"/>
+          </p:cNvSpPr>
+          <p:nvPr>
+            <p:ph type="body" idx="1"/>
+          </p:nvPr>
+        </p:nvSpPr>
+        <p:spPr/>
+        <p:txBody>
+          <a:bodyPr/>
+          <a:lstStyle/>
+          <a:p>
+            <a:endParaRPr lang="en-US"/>
           </a:p>
         </p:txBody>
       </p:sp>
@@ -3951,6 +3986,216 @@
             <a:fld id="{8C71CAF9-4461-454A-B702-D536C3775752}" type="slidenum">
               <a:rPr lang="en-US" smtClean="0"/>
               <a:t>12</a:t>
+            </a:fld>
+            <a:endParaRPr lang="en-US"/>
+          </a:p>
+        </p:txBody>
+      </p:sp>
+    </p:spTree>
+    <p:extLst>
+      <p:ext uri="{BB962C8B-B14F-4D97-AF65-F5344CB8AC3E}">
+        <p14:creationId xmlns:p14="http://schemas.microsoft.com/office/powerpoint/2010/main" val="2523822583"/>
+      </p:ext>
+    </p:extLst>
+  </p:cSld>
+  <p:clrMapOvr>
+    <a:masterClrMapping/>
+  </p:clrMapOvr>
+  <p:timing>
+    <p:tnLst>
+      <p:par>
+        <p:cTn id="1" dur="indefinite" restart="never" nodeType="tmRoot"/>
+      </p:par>
+    </p:tnLst>
+  </p:timing>
+</p:sld>
+</file>
+
+<file path=ppt/slides/slide13.xml><?xml version="1.0" encoding="utf-8"?>
+<p:sld xmlns:a="http://schemas.openxmlformats.org/drawingml/2006/main" xmlns:r="http://schemas.openxmlformats.org/officeDocument/2006/relationships" xmlns:p="http://schemas.openxmlformats.org/presentationml/2006/main">
+  <p:cSld>
+    <p:spTree>
+      <p:nvGrpSpPr>
+        <p:cNvPr id="1" name=""/>
+        <p:cNvGrpSpPr/>
+        <p:nvPr/>
+      </p:nvGrpSpPr>
+      <p:grpSpPr>
+        <a:xfrm>
+          <a:off x="0" y="0"/>
+          <a:ext cx="0" cy="0"/>
+          <a:chOff x="0" y="0"/>
+          <a:chExt cx="0" cy="0"/>
+        </a:xfrm>
+      </p:grpSpPr>
+      <p:sp>
+        <p:nvSpPr>
+          <p:cNvPr id="5" name="Título 4"/>
+          <p:cNvSpPr>
+            <a:spLocks noGrp="1"/>
+          </p:cNvSpPr>
+          <p:nvPr>
+            <p:ph type="title"/>
+          </p:nvPr>
+        </p:nvSpPr>
+        <p:spPr/>
+        <p:txBody>
+          <a:bodyPr/>
+          <a:lstStyle/>
+          <a:p>
+            <a:r>
+              <a:rPr lang="en-US" dirty="0" smtClean="0"/>
+              <a:t>Bounded Model Checking</a:t>
+            </a:r>
+            <a:endParaRPr lang="en-US" dirty="0"/>
+          </a:p>
+        </p:txBody>
+      </p:sp>
+      <p:sp>
+        <p:nvSpPr>
+          <p:cNvPr id="6" name="Espaço Reservado para Conteúdo 5"/>
+          <p:cNvSpPr>
+            <a:spLocks noGrp="1"/>
+          </p:cNvSpPr>
+          <p:nvPr>
+            <p:ph idx="1"/>
+          </p:nvPr>
+        </p:nvSpPr>
+        <p:spPr/>
+        <p:txBody>
+          <a:bodyPr/>
+          <a:lstStyle/>
+          <a:p>
+            <a:r>
+              <a:rPr lang="en-US" dirty="0" smtClean="0"/>
+              <a:t>…</a:t>
+            </a:r>
+          </a:p>
+          <a:p>
+            <a:r>
+              <a:rPr lang="en-US" dirty="0" smtClean="0"/>
+              <a:t>Similar </a:t>
+            </a:r>
+            <a:r>
+              <a:rPr lang="en-US" dirty="0"/>
+              <a:t>to </a:t>
+            </a:r>
+            <a:r>
+              <a:rPr lang="en-US" dirty="0" smtClean="0"/>
+              <a:t>SE, inputs are symbolic</a:t>
+            </a:r>
+          </a:p>
+          <a:p>
+            <a:pPr lvl="1"/>
+            <a:r>
+              <a:rPr lang="en-US" dirty="0" smtClean="0"/>
+              <a:t>But paths are not explored one-at-a-time</a:t>
+            </a:r>
+          </a:p>
+          <a:p>
+            <a:pPr lvl="1"/>
+            <a:endParaRPr lang="en-US" dirty="0" smtClean="0"/>
+          </a:p>
+          <a:p>
+            <a:pPr lvl="1"/>
+            <a:endParaRPr lang="en-US" dirty="0"/>
+          </a:p>
+        </p:txBody>
+      </p:sp>
+      <p:sp>
+        <p:nvSpPr>
+          <p:cNvPr id="4" name="Espaço Reservado para Número de Slide 3"/>
+          <p:cNvSpPr>
+            <a:spLocks noGrp="1"/>
+          </p:cNvSpPr>
+          <p:nvPr>
+            <p:ph type="sldNum" sz="quarter" idx="12"/>
+          </p:nvPr>
+        </p:nvSpPr>
+        <p:spPr/>
+        <p:txBody>
+          <a:bodyPr/>
+          <a:lstStyle/>
+          <a:p>
+            <a:fld id="{8C71CAF9-4461-454A-B702-D536C3775752}" type="slidenum">
+              <a:rPr lang="en-US" smtClean="0"/>
+              <a:t>13</a:t>
+            </a:fld>
+            <a:endParaRPr lang="en-US"/>
+          </a:p>
+        </p:txBody>
+      </p:sp>
+    </p:spTree>
+    <p:extLst>
+      <p:ext uri="{BB962C8B-B14F-4D97-AF65-F5344CB8AC3E}">
+        <p14:creationId xmlns:p14="http://schemas.microsoft.com/office/powerpoint/2010/main" val="1403020859"/>
+      </p:ext>
+    </p:extLst>
+  </p:cSld>
+  <p:clrMapOvr>
+    <a:masterClrMapping/>
+  </p:clrMapOvr>
+</p:sld>
+</file>
+
+<file path=ppt/slides/slide14.xml><?xml version="1.0" encoding="utf-8"?>
+<p:sld xmlns:a="http://schemas.openxmlformats.org/drawingml/2006/main" xmlns:r="http://schemas.openxmlformats.org/officeDocument/2006/relationships" xmlns:p="http://schemas.openxmlformats.org/presentationml/2006/main">
+  <p:cSld>
+    <p:spTree>
+      <p:nvGrpSpPr>
+        <p:cNvPr id="1" name=""/>
+        <p:cNvGrpSpPr/>
+        <p:nvPr/>
+      </p:nvGrpSpPr>
+      <p:grpSpPr>
+        <a:xfrm>
+          <a:off x="0" y="0"/>
+          <a:ext cx="0" cy="0"/>
+          <a:chOff x="0" y="0"/>
+          <a:chExt cx="0" cy="0"/>
+        </a:xfrm>
+      </p:grpSpPr>
+      <p:sp>
+        <p:nvSpPr>
+          <p:cNvPr id="2" name="Título 1"/>
+          <p:cNvSpPr>
+            <a:spLocks noGrp="1"/>
+          </p:cNvSpPr>
+          <p:nvPr>
+            <p:ph type="title"/>
+          </p:nvPr>
+        </p:nvSpPr>
+        <p:spPr/>
+        <p:txBody>
+          <a:bodyPr/>
+          <a:lstStyle/>
+          <a:p>
+            <a:r>
+              <a:rPr lang="en-US" dirty="0" smtClean="0"/>
+              <a:t>Bounded Model Checking of C [1]</a:t>
+            </a:r>
+            <a:endParaRPr lang="en-US" dirty="0"/>
+          </a:p>
+        </p:txBody>
+      </p:sp>
+      <p:sp>
+        <p:nvSpPr>
+          <p:cNvPr id="4" name="Espaço Reservado para Número de Slide 3"/>
+          <p:cNvSpPr>
+            <a:spLocks noGrp="1"/>
+          </p:cNvSpPr>
+          <p:nvPr>
+            <p:ph type="sldNum" sz="quarter" idx="12"/>
+          </p:nvPr>
+        </p:nvSpPr>
+        <p:spPr/>
+        <p:txBody>
+          <a:bodyPr/>
+          <a:lstStyle/>
+          <a:p>
+            <a:fld id="{8C71CAF9-4461-454A-B702-D536C3775752}" type="slidenum">
+              <a:rPr lang="en-US" smtClean="0"/>
+              <a:t>14</a:t>
             </a:fld>
             <a:endParaRPr lang="en-US"/>
           </a:p>
@@ -4378,8 +4623,8 @@
         </p:nvSpPr>
         <p:spPr>
           <a:xfrm>
-            <a:off x="3513410" y="2743414"/>
-            <a:ext cx="527645" cy="369332"/>
+            <a:off x="3264408" y="2574434"/>
+            <a:ext cx="1000212" cy="646331"/>
           </a:xfrm>
           <a:prstGeom prst="rect">
             <a:avLst/>
@@ -4387,6 +4632,41 @@
           <a:noFill/>
         </p:spPr>
         <p:txBody>
+          <a:bodyPr wrap="square" rtlCol="0">
+            <a:spAutoFit/>
+          </a:bodyPr>
+          <a:lstStyle/>
+          <a:p>
+            <a:pPr algn="ctr"/>
+            <a:r>
+              <a:rPr lang="en-US" dirty="0" err="1" smtClean="0"/>
+              <a:t>goto</a:t>
+            </a:r>
+            <a:r>
+              <a:rPr lang="en-US" dirty="0" smtClean="0"/>
+              <a:t> program</a:t>
+            </a:r>
+            <a:endParaRPr lang="en-US" dirty="0"/>
+          </a:p>
+        </p:txBody>
+      </p:sp>
+      <p:sp>
+        <p:nvSpPr>
+          <p:cNvPr id="25" name="CaixaDeTexto 24"/>
+          <p:cNvSpPr txBox="1"/>
+          <p:nvPr/>
+        </p:nvSpPr>
+        <p:spPr>
+          <a:xfrm>
+            <a:off x="384048" y="6382512"/>
+            <a:ext cx="10828092" cy="369332"/>
+          </a:xfrm>
+          <a:prstGeom prst="rect">
+            <a:avLst/>
+          </a:prstGeom>
+          <a:noFill/>
+        </p:spPr>
+        <p:txBody>
           <a:bodyPr wrap="none" rtlCol="0">
             <a:spAutoFit/>
           </a:bodyPr>
@@ -4394,7 +4674,56 @@
           <a:p>
             <a:r>
               <a:rPr lang="en-US" dirty="0" smtClean="0"/>
-              <a:t>SSA</a:t>
+              <a:t>[1] Clarke et al, DAC’03, </a:t>
+            </a:r>
+            <a:r>
+              <a:rPr lang="en-US" dirty="0" smtClean="0">
+                <a:solidFill>
+                  <a:srgbClr val="000000"/>
+                </a:solidFill>
+                <a:latin typeface="Arial"/>
+              </a:rPr>
+              <a:t>Behavioral </a:t>
+            </a:r>
+            <a:r>
+              <a:rPr lang="en-US" dirty="0">
+                <a:solidFill>
+                  <a:srgbClr val="000000"/>
+                </a:solidFill>
+                <a:latin typeface="Arial"/>
+              </a:rPr>
+              <a:t>consistency of C and </a:t>
+            </a:r>
+            <a:r>
+              <a:rPr lang="en-US" dirty="0" err="1">
+                <a:solidFill>
+                  <a:srgbClr val="000000"/>
+                </a:solidFill>
+                <a:latin typeface="Arial"/>
+              </a:rPr>
+              <a:t>verilog</a:t>
+            </a:r>
+            <a:r>
+              <a:rPr lang="en-US" dirty="0">
+                <a:solidFill>
+                  <a:srgbClr val="000000"/>
+                </a:solidFill>
+                <a:latin typeface="Arial"/>
+              </a:rPr>
+              <a:t> programs using bounded model </a:t>
+            </a:r>
+            <a:r>
+              <a:rPr lang="en-US" dirty="0" smtClean="0">
+                <a:solidFill>
+                  <a:srgbClr val="000000"/>
+                </a:solidFill>
+                <a:latin typeface="Arial"/>
+              </a:rPr>
+              <a:t>checking</a:t>
+            </a:r>
+            <a:r>
+              <a:rPr lang="en-US" dirty="0" smtClean="0"/>
+              <a:t> </a:t>
             </a:r>
             <a:endParaRPr lang="en-US" dirty="0"/>
           </a:p>
@@ -4402,14 +4731,14 @@
       </p:sp>
       <p:sp>
         <p:nvSpPr>
-          <p:cNvPr id="11" name="Retângulo 10"/>
+          <p:cNvPr id="14" name="Retângulo 13"/>
           <p:cNvSpPr/>
           <p:nvPr/>
         </p:nvSpPr>
         <p:spPr>
           <a:xfrm>
-            <a:off x="8026908" y="1810512"/>
-            <a:ext cx="3165348" cy="3054096"/>
+            <a:off x="8054340" y="2118360"/>
+            <a:ext cx="2695956" cy="2386584"/>
           </a:xfrm>
           <a:prstGeom prst="rect">
             <a:avLst/>
@@ -4435,349 +4764,258 @@
           <a:p>
             <a:r>
               <a:rPr lang="en-US" dirty="0" smtClean="0">
-                <a:latin typeface="Brush Script MT" panose="03060802040406070304" pitchFamily="66" charset="0"/>
-              </a:rPr>
-              <a:t>C</a:t>
+                <a:latin typeface="Consolas" panose="020B0609020204030204" pitchFamily="49" charset="0"/>
+              </a:rPr>
+              <a:t>x</a:t>
+            </a:r>
+            <a:r>
+              <a:rPr lang="en-US" baseline="-25000" dirty="0">
+                <a:latin typeface="Consolas" panose="020B0609020204030204" pitchFamily="49" charset="0"/>
+              </a:rPr>
+              <a:t>1</a:t>
             </a:r>
             <a:r>
               <a:rPr lang="en-US" dirty="0" smtClean="0">
                 <a:latin typeface="Consolas" panose="020B0609020204030204" pitchFamily="49" charset="0"/>
               </a:rPr>
+              <a:t> = x</a:t>
+            </a:r>
+            <a:r>
+              <a:rPr lang="en-US" baseline="-25000" dirty="0">
+                <a:latin typeface="Consolas" panose="020B0609020204030204" pitchFamily="49" charset="0"/>
+              </a:rPr>
+              <a:t>0</a:t>
+            </a:r>
+            <a:r>
+              <a:rPr lang="en-US" dirty="0" smtClean="0">
+                <a:latin typeface="Consolas" panose="020B0609020204030204" pitchFamily="49" charset="0"/>
+              </a:rPr>
+              <a:t> + 1</a:t>
+            </a:r>
+          </a:p>
+          <a:p>
+            <a:r>
+              <a:rPr lang="en-US" dirty="0">
+                <a:latin typeface="Consolas" panose="020B0609020204030204" pitchFamily="49" charset="0"/>
+              </a:rPr>
+              <a:t>i</a:t>
+            </a:r>
+            <a:r>
+              <a:rPr lang="en-US" dirty="0" smtClean="0">
+                <a:latin typeface="Consolas" panose="020B0609020204030204" pitchFamily="49" charset="0"/>
+              </a:rPr>
+              <a:t>f (x</a:t>
+            </a:r>
+            <a:r>
+              <a:rPr lang="en-US" baseline="-25000" dirty="0" smtClean="0">
+                <a:latin typeface="Consolas" panose="020B0609020204030204" pitchFamily="49" charset="0"/>
+              </a:rPr>
+              <a:t>1</a:t>
+            </a:r>
+            <a:r>
+              <a:rPr lang="en-US" dirty="0" smtClean="0">
+                <a:latin typeface="Consolas" panose="020B0609020204030204" pitchFamily="49" charset="0"/>
+              </a:rPr>
+              <a:t> != 1) {</a:t>
+            </a:r>
+          </a:p>
+          <a:p>
+            <a:r>
+              <a:rPr lang="en-US" dirty="0" smtClean="0">
+                <a:latin typeface="Consolas" panose="020B0609020204030204" pitchFamily="49" charset="0"/>
+              </a:rPr>
+              <a:t> x</a:t>
+            </a:r>
+            <a:r>
+              <a:rPr lang="en-US" baseline="-25000" dirty="0" smtClean="0">
+                <a:latin typeface="Consolas" panose="020B0609020204030204" pitchFamily="49" charset="0"/>
+              </a:rPr>
+              <a:t>2</a:t>
+            </a:r>
+            <a:r>
+              <a:rPr lang="en-US" dirty="0" smtClean="0">
+                <a:latin typeface="Consolas" panose="020B0609020204030204" pitchFamily="49" charset="0"/>
+              </a:rPr>
+              <a:t> = 2;</a:t>
+            </a:r>
+          </a:p>
+          <a:p>
+            <a:r>
+              <a:rPr lang="en-US" dirty="0" smtClean="0">
+                <a:latin typeface="Consolas" panose="020B0609020204030204" pitchFamily="49" charset="0"/>
+              </a:rPr>
+              <a:t> if (z</a:t>
+            </a:r>
+            <a:r>
+              <a:rPr lang="en-US" baseline="-25000" dirty="0">
+                <a:latin typeface="Consolas" panose="020B0609020204030204" pitchFamily="49" charset="0"/>
+              </a:rPr>
+              <a:t>0</a:t>
+            </a:r>
+            <a:r>
+              <a:rPr lang="en-US" dirty="0" smtClean="0">
+                <a:latin typeface="Consolas" panose="020B0609020204030204" pitchFamily="49" charset="0"/>
+              </a:rPr>
+              <a:t>) x</a:t>
+            </a:r>
+            <a:r>
+              <a:rPr lang="en-US" baseline="-25000" dirty="0" smtClean="0">
+                <a:latin typeface="Consolas" panose="020B0609020204030204" pitchFamily="49" charset="0"/>
+              </a:rPr>
+              <a:t>3</a:t>
+            </a:r>
+            <a:r>
+              <a:rPr lang="en-US" dirty="0" smtClean="0">
+                <a:latin typeface="Consolas" panose="020B0609020204030204" pitchFamily="49" charset="0"/>
+              </a:rPr>
+              <a:t> = x</a:t>
+            </a:r>
+            <a:r>
+              <a:rPr lang="en-US" baseline="-25000" dirty="0" smtClean="0">
+                <a:latin typeface="Consolas" panose="020B0609020204030204" pitchFamily="49" charset="0"/>
+              </a:rPr>
+              <a:t>2</a:t>
+            </a:r>
+            <a:r>
+              <a:rPr lang="en-US" dirty="0" smtClean="0">
+                <a:latin typeface="Consolas" panose="020B0609020204030204" pitchFamily="49" charset="0"/>
+              </a:rPr>
+              <a:t> + 1;</a:t>
+            </a:r>
+          </a:p>
+          <a:p>
+            <a:r>
+              <a:rPr lang="en-US" dirty="0">
+                <a:latin typeface="Consolas" panose="020B0609020204030204" pitchFamily="49" charset="0"/>
+              </a:rPr>
               <a:t> </a:t>
             </a:r>
             <a:r>
+              <a:rPr lang="en-US" dirty="0" smtClean="0">
+                <a:latin typeface="Consolas" panose="020B0609020204030204" pitchFamily="49" charset="0"/>
+              </a:rPr>
+              <a:t>x4 = phi(x</a:t>
+            </a:r>
+            <a:r>
+              <a:rPr lang="en-US" baseline="-25000" dirty="0" smtClean="0">
+                <a:latin typeface="Consolas" panose="020B0609020204030204" pitchFamily="49" charset="0"/>
+              </a:rPr>
+              <a:t>3, </a:t>
+            </a:r>
+            <a:r>
+              <a:rPr lang="en-US" dirty="0" smtClean="0">
+                <a:latin typeface="Consolas" panose="020B0609020204030204" pitchFamily="49" charset="0"/>
+              </a:rPr>
+              <a:t>x</a:t>
+            </a:r>
+            <a:r>
+              <a:rPr lang="en-US" baseline="-25000" dirty="0" smtClean="0">
+                <a:latin typeface="Consolas" panose="020B0609020204030204" pitchFamily="49" charset="0"/>
+              </a:rPr>
+              <a:t>2</a:t>
+            </a:r>
+            <a:r>
+              <a:rPr lang="en-US" dirty="0" smtClean="0">
+                <a:latin typeface="Consolas" panose="020B0609020204030204" pitchFamily="49" charset="0"/>
+              </a:rPr>
+              <a:t>)</a:t>
+            </a:r>
+          </a:p>
+          <a:p>
+            <a:r>
+              <a:rPr lang="en-US" dirty="0" smtClean="0">
+                <a:latin typeface="Consolas" panose="020B0609020204030204" pitchFamily="49" charset="0"/>
+              </a:rPr>
+              <a:t>}</a:t>
+            </a:r>
+          </a:p>
+          <a:p>
+            <a:r>
+              <a:rPr lang="en-US" dirty="0" smtClean="0">
+                <a:latin typeface="Consolas" panose="020B0609020204030204" pitchFamily="49" charset="0"/>
+              </a:rPr>
+              <a:t>x5 </a:t>
+            </a:r>
+            <a:r>
               <a:rPr lang="en-US" dirty="0">
                 <a:latin typeface="Consolas" panose="020B0609020204030204" pitchFamily="49" charset="0"/>
               </a:rPr>
-              <a:t>:= </a:t>
-            </a:r>
-          </a:p>
-          <a:p>
+              <a:t>= </a:t>
+            </a:r>
             <a:r>
               <a:rPr lang="en-US" dirty="0" smtClean="0">
                 <a:latin typeface="Consolas" panose="020B0609020204030204" pitchFamily="49" charset="0"/>
               </a:rPr>
-              <a:t>  x</a:t>
+              <a:t>phi(x</a:t>
             </a:r>
             <a:r>
               <a:rPr lang="en-US" baseline="-25000" dirty="0" smtClean="0">
                 <a:latin typeface="Consolas" panose="020B0609020204030204" pitchFamily="49" charset="0"/>
               </a:rPr>
+              <a:t>4, </a:t>
+            </a:r>
+            <a:r>
+              <a:rPr lang="en-US" dirty="0" smtClean="0">
+                <a:latin typeface="Consolas" panose="020B0609020204030204" pitchFamily="49" charset="0"/>
+              </a:rPr>
+              <a:t>x</a:t>
+            </a:r>
+            <a:r>
+              <a:rPr lang="en-US" baseline="-25000" dirty="0" smtClean="0">
+                <a:latin typeface="Consolas" panose="020B0609020204030204" pitchFamily="49" charset="0"/>
+              </a:rPr>
               <a:t>1</a:t>
             </a:r>
             <a:r>
               <a:rPr lang="en-US" dirty="0" smtClean="0">
                 <a:latin typeface="Consolas" panose="020B0609020204030204" pitchFamily="49" charset="0"/>
               </a:rPr>
-              <a:t> = x</a:t>
-            </a:r>
-            <a:r>
-              <a:rPr lang="en-US" baseline="-25000" dirty="0">
-                <a:latin typeface="Consolas" panose="020B0609020204030204" pitchFamily="49" charset="0"/>
-              </a:rPr>
-              <a:t>0</a:t>
+              <a:t>)</a:t>
+            </a:r>
+          </a:p>
+          <a:p>
+            <a:r>
+              <a:rPr lang="en-US" dirty="0">
+                <a:latin typeface="Consolas" panose="020B0609020204030204" pitchFamily="49" charset="0"/>
+              </a:rPr>
+              <a:t>a</a:t>
             </a:r>
             <a:r>
               <a:rPr lang="en-US" dirty="0" smtClean="0">
                 <a:latin typeface="Consolas" panose="020B0609020204030204" pitchFamily="49" charset="0"/>
               </a:rPr>
-              <a:t> + 1 &amp;</a:t>
-            </a:r>
-          </a:p>
-          <a:p>
+              <a:t>ssert (x</a:t>
+            </a:r>
+            <a:r>
+              <a:rPr lang="en-US" baseline="-25000" dirty="0" smtClean="0">
+                <a:latin typeface="Consolas" panose="020B0609020204030204" pitchFamily="49" charset="0"/>
+              </a:rPr>
+              <a:t>5</a:t>
+            </a:r>
             <a:r>
               <a:rPr lang="en-US" dirty="0" smtClean="0">
                 <a:latin typeface="Consolas" panose="020B0609020204030204" pitchFamily="49" charset="0"/>
               </a:rPr>
-              <a:t>  x</a:t>
-            </a:r>
-            <a:r>
-              <a:rPr lang="en-US" baseline="-25000" dirty="0" smtClean="0">
-                <a:latin typeface="Consolas" panose="020B0609020204030204" pitchFamily="49" charset="0"/>
-              </a:rPr>
-              <a:t>2</a:t>
-            </a:r>
-            <a:r>
-              <a:rPr lang="en-US" dirty="0" smtClean="0">
-                <a:latin typeface="Consolas" panose="020B0609020204030204" pitchFamily="49" charset="0"/>
-              </a:rPr>
-              <a:t> = 2 &amp;</a:t>
-            </a:r>
-          </a:p>
-          <a:p>
-            <a:r>
-              <a:rPr lang="en-US" dirty="0" smtClean="0">
-                <a:latin typeface="Consolas" panose="020B0609020204030204" pitchFamily="49" charset="0"/>
-              </a:rPr>
-              <a:t>  x</a:t>
-            </a:r>
-            <a:r>
-              <a:rPr lang="en-US" baseline="-25000" dirty="0" smtClean="0">
-                <a:latin typeface="Consolas" panose="020B0609020204030204" pitchFamily="49" charset="0"/>
-              </a:rPr>
-              <a:t>3</a:t>
-            </a:r>
-            <a:r>
-              <a:rPr lang="en-US" dirty="0" smtClean="0">
-                <a:latin typeface="Consolas" panose="020B0609020204030204" pitchFamily="49" charset="0"/>
-              </a:rPr>
-              <a:t> </a:t>
-            </a:r>
-            <a:r>
-              <a:rPr lang="en-US" dirty="0">
-                <a:latin typeface="Consolas" panose="020B0609020204030204" pitchFamily="49" charset="0"/>
-              </a:rPr>
-              <a:t>= </a:t>
-            </a:r>
-            <a:r>
-              <a:rPr lang="en-US" dirty="0" smtClean="0">
-                <a:latin typeface="Consolas" panose="020B0609020204030204" pitchFamily="49" charset="0"/>
-              </a:rPr>
-              <a:t>x</a:t>
-            </a:r>
-            <a:r>
-              <a:rPr lang="en-US" baseline="-25000" dirty="0" smtClean="0">
-                <a:latin typeface="Consolas" panose="020B0609020204030204" pitchFamily="49" charset="0"/>
-              </a:rPr>
-              <a:t>2</a:t>
-            </a:r>
-            <a:r>
-              <a:rPr lang="en-US" dirty="0" smtClean="0">
-                <a:latin typeface="Consolas" panose="020B0609020204030204" pitchFamily="49" charset="0"/>
-              </a:rPr>
-              <a:t> </a:t>
-            </a:r>
-            <a:r>
-              <a:rPr lang="en-US" dirty="0">
-                <a:latin typeface="Consolas" panose="020B0609020204030204" pitchFamily="49" charset="0"/>
-              </a:rPr>
-              <a:t>+ </a:t>
-            </a:r>
-            <a:r>
-              <a:rPr lang="en-US" dirty="0" smtClean="0">
-                <a:latin typeface="Consolas" panose="020B0609020204030204" pitchFamily="49" charset="0"/>
-              </a:rPr>
-              <a:t>1 &amp;</a:t>
-            </a:r>
-          </a:p>
-          <a:p>
-            <a:r>
-              <a:rPr lang="en-US" dirty="0" smtClean="0">
-                <a:latin typeface="Consolas" panose="020B0609020204030204" pitchFamily="49" charset="0"/>
-              </a:rPr>
-              <a:t>  x</a:t>
-            </a:r>
-            <a:r>
-              <a:rPr lang="en-US" baseline="-25000" dirty="0" smtClean="0">
-                <a:latin typeface="Consolas" panose="020B0609020204030204" pitchFamily="49" charset="0"/>
-              </a:rPr>
-              <a:t>4</a:t>
-            </a:r>
-            <a:r>
-              <a:rPr lang="en-US" dirty="0" smtClean="0">
-                <a:latin typeface="Consolas" panose="020B0609020204030204" pitchFamily="49" charset="0"/>
-              </a:rPr>
-              <a:t> </a:t>
-            </a:r>
-            <a:r>
-              <a:rPr lang="en-US" dirty="0">
-                <a:latin typeface="Consolas" panose="020B0609020204030204" pitchFamily="49" charset="0"/>
-              </a:rPr>
-              <a:t>= </a:t>
-            </a:r>
-            <a:r>
-              <a:rPr lang="en-US" dirty="0" err="1" smtClean="0">
-                <a:latin typeface="Consolas" panose="020B0609020204030204" pitchFamily="49" charset="0"/>
-              </a:rPr>
-              <a:t>ite</a:t>
-            </a:r>
-            <a:r>
-              <a:rPr lang="en-US" dirty="0" smtClean="0">
-                <a:latin typeface="Consolas" panose="020B0609020204030204" pitchFamily="49" charset="0"/>
-              </a:rPr>
-              <a:t>(z</a:t>
-            </a:r>
-            <a:r>
-              <a:rPr lang="en-US" baseline="-25000" dirty="0" smtClean="0">
-                <a:latin typeface="Consolas" panose="020B0609020204030204" pitchFamily="49" charset="0"/>
-              </a:rPr>
-              <a:t>0</a:t>
-            </a:r>
-            <a:r>
-              <a:rPr lang="en-US" dirty="0" smtClean="0">
-                <a:latin typeface="Consolas" panose="020B0609020204030204" pitchFamily="49" charset="0"/>
-              </a:rPr>
-              <a:t>,x</a:t>
-            </a:r>
-            <a:r>
-              <a:rPr lang="en-US" baseline="-25000" dirty="0" smtClean="0">
-                <a:latin typeface="Consolas" panose="020B0609020204030204" pitchFamily="49" charset="0"/>
-              </a:rPr>
-              <a:t>3</a:t>
-            </a:r>
-            <a:r>
-              <a:rPr lang="en-US" dirty="0" smtClean="0">
-                <a:latin typeface="Consolas" panose="020B0609020204030204" pitchFamily="49" charset="0"/>
-              </a:rPr>
-              <a:t>,x</a:t>
-            </a:r>
-            <a:r>
-              <a:rPr lang="en-US" baseline="-25000" dirty="0" smtClean="0">
-                <a:latin typeface="Consolas" panose="020B0609020204030204" pitchFamily="49" charset="0"/>
-              </a:rPr>
-              <a:t>2</a:t>
-            </a:r>
-            <a:r>
-              <a:rPr lang="en-US" dirty="0" smtClean="0">
-                <a:latin typeface="Consolas" panose="020B0609020204030204" pitchFamily="49" charset="0"/>
-              </a:rPr>
-              <a:t>) &amp;</a:t>
-            </a:r>
-          </a:p>
-          <a:p>
-            <a:r>
-              <a:rPr lang="en-US" dirty="0" smtClean="0">
-                <a:latin typeface="Consolas" panose="020B0609020204030204" pitchFamily="49" charset="0"/>
-              </a:rPr>
-              <a:t>  x</a:t>
-            </a:r>
-            <a:r>
-              <a:rPr lang="en-US" baseline="-25000" dirty="0" smtClean="0">
-                <a:latin typeface="Consolas" panose="020B0609020204030204" pitchFamily="49" charset="0"/>
-              </a:rPr>
-              <a:t>5</a:t>
-            </a:r>
-            <a:r>
-              <a:rPr lang="en-US" dirty="0" smtClean="0">
-                <a:latin typeface="Consolas" panose="020B0609020204030204" pitchFamily="49" charset="0"/>
-              </a:rPr>
-              <a:t> = </a:t>
-            </a:r>
-            <a:r>
-              <a:rPr lang="en-US" dirty="0" err="1" smtClean="0">
-                <a:latin typeface="Consolas" panose="020B0609020204030204" pitchFamily="49" charset="0"/>
-              </a:rPr>
-              <a:t>ite</a:t>
-            </a:r>
-            <a:r>
-              <a:rPr lang="en-US" dirty="0" smtClean="0">
-                <a:latin typeface="Consolas" panose="020B0609020204030204" pitchFamily="49" charset="0"/>
-              </a:rPr>
-              <a:t>((x</a:t>
-            </a:r>
-            <a:r>
-              <a:rPr lang="en-US" baseline="-25000" dirty="0" smtClean="0">
-                <a:latin typeface="Consolas" panose="020B0609020204030204" pitchFamily="49" charset="0"/>
-              </a:rPr>
-              <a:t>1</a:t>
-            </a:r>
-            <a:r>
-              <a:rPr lang="en-US" dirty="0" smtClean="0">
-                <a:latin typeface="Consolas" panose="020B0609020204030204" pitchFamily="49" charset="0"/>
-              </a:rPr>
-              <a:t>!=1),x</a:t>
-            </a:r>
-            <a:r>
-              <a:rPr lang="en-US" baseline="-25000" dirty="0" smtClean="0">
-                <a:latin typeface="Consolas" panose="020B0609020204030204" pitchFamily="49" charset="0"/>
-              </a:rPr>
-              <a:t>4</a:t>
-            </a:r>
-            <a:r>
-              <a:rPr lang="en-US" dirty="0" smtClean="0">
-                <a:latin typeface="Consolas" panose="020B0609020204030204" pitchFamily="49" charset="0"/>
-              </a:rPr>
-              <a:t>,x</a:t>
-            </a:r>
-            <a:r>
-              <a:rPr lang="en-US" baseline="-25000" dirty="0" smtClean="0">
-                <a:latin typeface="Consolas" panose="020B0609020204030204" pitchFamily="49" charset="0"/>
-              </a:rPr>
-              <a:t>1</a:t>
-            </a:r>
-            <a:r>
-              <a:rPr lang="en-US" dirty="0" smtClean="0">
-                <a:latin typeface="Consolas" panose="020B0609020204030204" pitchFamily="49" charset="0"/>
-              </a:rPr>
-              <a:t>)</a:t>
-            </a:r>
-          </a:p>
-          <a:p>
-            <a:endParaRPr lang="en-US" dirty="0" smtClean="0">
-              <a:latin typeface="Consolas" panose="020B0609020204030204" pitchFamily="49" charset="0"/>
-            </a:endParaRPr>
-          </a:p>
-          <a:p>
-            <a:r>
-              <a:rPr lang="en-US" dirty="0" smtClean="0">
-                <a:latin typeface="Brush Script MT" panose="03060802040406070304" pitchFamily="66" charset="0"/>
-              </a:rPr>
-              <a:t>P</a:t>
-            </a:r>
-            <a:r>
-              <a:rPr lang="en-US" dirty="0" smtClean="0">
-                <a:latin typeface="Consolas" panose="020B0609020204030204" pitchFamily="49" charset="0"/>
-              </a:rPr>
-              <a:t> := x</a:t>
-            </a:r>
-            <a:r>
-              <a:rPr lang="en-US" baseline="-25000" dirty="0" smtClean="0">
-                <a:latin typeface="Consolas" panose="020B0609020204030204" pitchFamily="49" charset="0"/>
-              </a:rPr>
-              <a:t>3</a:t>
-            </a:r>
-            <a:r>
-              <a:rPr lang="en-US" dirty="0" smtClean="0">
-                <a:latin typeface="Consolas" panose="020B0609020204030204" pitchFamily="49" charset="0"/>
-              </a:rPr>
-              <a:t> &lt;= 3;</a:t>
-            </a:r>
-          </a:p>
-          <a:p>
+              <a:t> &lt;= 3);</a:t>
+            </a:r>
             <a:endParaRPr lang="en-US" dirty="0">
               <a:latin typeface="Consolas" panose="020B0609020204030204" pitchFamily="49" charset="0"/>
             </a:endParaRPr>
           </a:p>
-          <a:p>
-            <a:r>
-              <a:rPr lang="en-US" dirty="0">
-                <a:solidFill>
-                  <a:srgbClr val="FF0000"/>
-                </a:solidFill>
-                <a:latin typeface="Brush Script MT" panose="03060802040406070304" pitchFamily="66" charset="0"/>
-              </a:rPr>
-              <a:t>C &amp; !</a:t>
-            </a:r>
-            <a:r>
-              <a:rPr lang="en-US" dirty="0" smtClean="0">
-                <a:solidFill>
-                  <a:srgbClr val="FF0000"/>
-                </a:solidFill>
-                <a:latin typeface="Brush Script MT" panose="03060802040406070304" pitchFamily="66" charset="0"/>
-              </a:rPr>
-              <a:t>P</a:t>
-            </a:r>
-            <a:endParaRPr lang="en-US" dirty="0">
-              <a:solidFill>
-                <a:srgbClr val="FF0000"/>
-              </a:solidFill>
-              <a:latin typeface="Consolas" panose="020B0609020204030204" pitchFamily="49" charset="0"/>
-            </a:endParaRPr>
-          </a:p>
         </p:txBody>
       </p:sp>
       <p:cxnSp>
         <p:nvCxnSpPr>
-          <p:cNvPr id="12" name="Conector de seta reta 11"/>
+          <p:cNvPr id="15" name="Conector de seta reta 14"/>
           <p:cNvCxnSpPr>
-            <a:endCxn id="11" idx="1"/>
+            <a:endCxn id="14" idx="1"/>
           </p:cNvCxnSpPr>
           <p:nvPr/>
         </p:nvCxnSpPr>
         <p:spPr>
-          <a:xfrm flipV="1">
-            <a:off x="7001256" y="3337560"/>
-            <a:ext cx="1025652" cy="1524"/>
+          <a:xfrm>
+            <a:off x="7028688" y="3311652"/>
+            <a:ext cx="1025652" cy="0"/>
           </a:xfrm>
           <a:prstGeom prst="straightConnector1">
             <a:avLst/>
@@ -4803,14 +5041,14 @@
       </p:cxnSp>
       <p:sp>
         <p:nvSpPr>
-          <p:cNvPr id="25" name="CaixaDeTexto 24"/>
+          <p:cNvPr id="16" name="CaixaDeTexto 15"/>
           <p:cNvSpPr txBox="1"/>
           <p:nvPr/>
         </p:nvSpPr>
         <p:spPr>
           <a:xfrm>
-            <a:off x="384048" y="6382512"/>
-            <a:ext cx="10828092" cy="369332"/>
+            <a:off x="7277690" y="2712934"/>
+            <a:ext cx="527645" cy="369332"/>
           </a:xfrm>
           <a:prstGeom prst="rect">
             <a:avLst/>
@@ -4825,56 +5063,7 @@
           <a:p>
             <a:r>
               <a:rPr lang="en-US" dirty="0" smtClean="0"/>
-              <a:t>[1] Clarke et al, DAC’03, </a:t>
-            </a:r>
-            <a:r>
-              <a:rPr lang="en-US" dirty="0" smtClean="0">
-                <a:solidFill>
-                  <a:srgbClr val="000000"/>
-                </a:solidFill>
-                <a:latin typeface="Arial"/>
-              </a:rPr>
-              <a:t>Behavioral </a:t>
-            </a:r>
-            <a:r>
-              <a:rPr lang="en-US" dirty="0">
-                <a:solidFill>
-                  <a:srgbClr val="000000"/>
-                </a:solidFill>
-                <a:latin typeface="Arial"/>
-              </a:rPr>
-              <a:t>consistency of C and </a:t>
-            </a:r>
-            <a:r>
-              <a:rPr lang="en-US" dirty="0" err="1">
-                <a:solidFill>
-                  <a:srgbClr val="000000"/>
-                </a:solidFill>
-                <a:latin typeface="Arial"/>
-              </a:rPr>
-              <a:t>verilog</a:t>
-            </a:r>
-            <a:r>
-              <a:rPr lang="en-US" dirty="0">
-                <a:solidFill>
-                  <a:srgbClr val="000000"/>
-                </a:solidFill>
-                <a:latin typeface="Arial"/>
-              </a:rPr>
-              <a:t> programs using bounded model </a:t>
-            </a:r>
-            <a:r>
-              <a:rPr lang="en-US" dirty="0" smtClean="0">
-                <a:solidFill>
-                  <a:srgbClr val="000000"/>
-                </a:solidFill>
-                <a:latin typeface="Arial"/>
-              </a:rPr>
-              <a:t>checking</a:t>
-            </a:r>
-            <a:r>
-              <a:rPr lang="en-US" dirty="0" smtClean="0"/>
-              <a:t> </a:t>
+              <a:t>SSA</a:t>
             </a:r>
             <a:endParaRPr lang="en-US" dirty="0"/>
           </a:p>
@@ -4882,89 +5071,14 @@
       </p:sp>
       <p:cxnSp>
         <p:nvCxnSpPr>
-          <p:cNvPr id="28" name="Conector de seta reta 27"/>
-          <p:cNvCxnSpPr>
-            <a:stCxn id="11" idx="3"/>
-          </p:cNvCxnSpPr>
-          <p:nvPr/>
-        </p:nvCxnSpPr>
-        <p:spPr>
-          <a:xfrm flipV="1">
-            <a:off x="11192256" y="2487090"/>
-            <a:ext cx="1708332" cy="850470"/>
-          </a:xfrm>
-          <a:prstGeom prst="straightConnector1">
-            <a:avLst/>
-          </a:prstGeom>
-          <a:ln w="38100">
-            <a:tailEnd type="arrow"/>
-          </a:ln>
-        </p:spPr>
-        <p:style>
-          <a:lnRef idx="1">
-            <a:schemeClr val="accent1"/>
-          </a:lnRef>
-          <a:fillRef idx="0">
-            <a:schemeClr val="accent1"/>
-          </a:fillRef>
-          <a:effectRef idx="0">
-            <a:schemeClr val="accent1"/>
-          </a:effectRef>
-          <a:fontRef idx="minor">
-            <a:schemeClr val="tx1"/>
-          </a:fontRef>
-        </p:style>
-      </p:cxnSp>
-      <p:sp>
-        <p:nvSpPr>
-          <p:cNvPr id="36" name="CaixaDeTexto 35"/>
-          <p:cNvSpPr txBox="1"/>
-          <p:nvPr/>
-        </p:nvSpPr>
-        <p:spPr>
-          <a:xfrm>
-            <a:off x="7067928" y="2600551"/>
-            <a:ext cx="958980" cy="646331"/>
-          </a:xfrm>
-          <a:prstGeom prst="rect">
-            <a:avLst/>
-          </a:prstGeom>
-          <a:noFill/>
-        </p:spPr>
-        <p:txBody>
-          <a:bodyPr wrap="none" rtlCol="0">
-            <a:spAutoFit/>
-          </a:bodyPr>
-          <a:lstStyle/>
-          <a:p>
-            <a:pPr algn="ctr"/>
-            <a:r>
-              <a:rPr lang="en-US" dirty="0" smtClean="0"/>
-              <a:t>Logical </a:t>
-            </a:r>
-          </a:p>
-          <a:p>
-            <a:pPr algn="ctr"/>
-            <a:r>
-              <a:rPr lang="en-US" dirty="0" smtClean="0"/>
-              <a:t>Formula</a:t>
-            </a:r>
-            <a:endParaRPr lang="en-US" dirty="0"/>
-          </a:p>
-        </p:txBody>
-      </p:sp>
-      <p:cxnSp>
-        <p:nvCxnSpPr>
-          <p:cNvPr id="38" name="Conector de seta reta 37"/>
-          <p:cNvCxnSpPr>
-            <a:stCxn id="11" idx="3"/>
-          </p:cNvCxnSpPr>
+          <p:cNvPr id="17" name="Conector de seta reta 16"/>
+          <p:cNvCxnSpPr/>
           <p:nvPr/>
         </p:nvCxnSpPr>
         <p:spPr>
           <a:xfrm>
-            <a:off x="11192256" y="3337560"/>
-            <a:ext cx="1728216" cy="758952"/>
+            <a:off x="10750296" y="3371539"/>
+            <a:ext cx="1571244" cy="0"/>
           </a:xfrm>
           <a:prstGeom prst="straightConnector1">
             <a:avLst/>
@@ -5008,7 +5122,7 @@
 </p:sld>
 </file>
 
-<file path=ppt/slides/slide13.xml><?xml version="1.0" encoding="utf-8"?>
+<file path=ppt/slides/slide15.xml><?xml version="1.0" encoding="utf-8"?>
 <p:sld xmlns:a="http://schemas.openxmlformats.org/drawingml/2006/main" xmlns:r="http://schemas.openxmlformats.org/officeDocument/2006/relationships" xmlns:p="http://schemas.openxmlformats.org/presentationml/2006/main">
   <p:cSld>
     <p:spTree>
@@ -5065,7 +5179,7 @@
           <a:p>
             <a:fld id="{8C71CAF9-4461-454A-B702-D536C3775752}" type="slidenum">
               <a:rPr lang="en-US" smtClean="0"/>
-              <a:t>13</a:t>
+              <a:t>15</a:t>
             </a:fld>
             <a:endParaRPr lang="en-US"/>
           </a:p>
@@ -5158,7 +5272,7 @@
         </p:nvCxnSpPr>
         <p:spPr>
           <a:xfrm flipV="1">
-            <a:off x="-627816" y="2390363"/>
+            <a:off x="4203192" y="2585593"/>
             <a:ext cx="2310312" cy="892333"/>
           </a:xfrm>
           <a:prstGeom prst="straightConnector1">
@@ -5191,7 +5305,7 @@
         </p:nvSpPr>
         <p:spPr>
           <a:xfrm rot="20387572">
-            <a:off x="25426" y="2280414"/>
+            <a:off x="4856434" y="2475644"/>
             <a:ext cx="1246495" cy="369332"/>
           </a:xfrm>
           <a:prstGeom prst="rect">
@@ -5221,7 +5335,7 @@
         </p:nvSpPr>
         <p:spPr>
           <a:xfrm>
-            <a:off x="1819656" y="1939259"/>
+            <a:off x="6650664" y="2134489"/>
             <a:ext cx="914400" cy="914400"/>
           </a:xfrm>
           <a:prstGeom prst="rect">
@@ -5263,7 +5377,7 @@
         </p:nvCxnSpPr>
         <p:spPr>
           <a:xfrm>
-            <a:off x="2734056" y="2390363"/>
+            <a:off x="7565064" y="2585593"/>
             <a:ext cx="603504" cy="0"/>
           </a:xfrm>
           <a:prstGeom prst="straightConnector1">
@@ -5296,7 +5410,7 @@
         </p:nvSpPr>
         <p:spPr>
           <a:xfrm>
-            <a:off x="3371785" y="1792240"/>
+            <a:off x="8202793" y="1665833"/>
             <a:ext cx="538930" cy="646331"/>
           </a:xfrm>
           <a:prstGeom prst="rect">
@@ -5335,7 +5449,7 @@
         </p:nvSpPr>
         <p:spPr>
           <a:xfrm>
-            <a:off x="3399837" y="2370551"/>
+            <a:off x="8230845" y="2565781"/>
             <a:ext cx="482825" cy="646331"/>
           </a:xfrm>
           <a:prstGeom prst="rect">
@@ -5376,7 +5490,7 @@
         </p:nvCxnSpPr>
         <p:spPr>
           <a:xfrm>
-            <a:off x="-627816" y="3659061"/>
+            <a:off x="4203192" y="3854291"/>
             <a:ext cx="2310312" cy="892333"/>
           </a:xfrm>
           <a:prstGeom prst="straightConnector1">
@@ -5409,7 +5523,7 @@
         </p:nvSpPr>
         <p:spPr>
           <a:xfrm>
-            <a:off x="1819656" y="4130771"/>
+            <a:off x="6650664" y="4326001"/>
             <a:ext cx="914400" cy="914400"/>
           </a:xfrm>
           <a:prstGeom prst="rect">
@@ -5451,7 +5565,7 @@
         </p:nvCxnSpPr>
         <p:spPr>
           <a:xfrm>
-            <a:off x="2734056" y="4587971"/>
+            <a:off x="7565064" y="4783201"/>
             <a:ext cx="603504" cy="0"/>
           </a:xfrm>
           <a:prstGeom prst="straightConnector1">
@@ -5484,7 +5598,7 @@
         </p:nvSpPr>
         <p:spPr>
           <a:xfrm>
-            <a:off x="3371785" y="3989848"/>
+            <a:off x="8202793" y="4185078"/>
             <a:ext cx="538930" cy="646331"/>
           </a:xfrm>
           <a:prstGeom prst="rect">
@@ -5523,7 +5637,7 @@
         </p:nvSpPr>
         <p:spPr>
           <a:xfrm>
-            <a:off x="3399837" y="4568159"/>
+            <a:off x="8230845" y="4763389"/>
             <a:ext cx="482825" cy="646331"/>
           </a:xfrm>
           <a:prstGeom prst="rect">
@@ -5553,6 +5667,457 @@
                 <a:srgbClr val="FF0000"/>
               </a:solidFill>
             </a:endParaRPr>
+          </a:p>
+        </p:txBody>
+      </p:sp>
+      <p:sp>
+        <p:nvSpPr>
+          <p:cNvPr id="17" name="Retângulo 16"/>
+          <p:cNvSpPr/>
+          <p:nvPr/>
+        </p:nvSpPr>
+        <p:spPr>
+          <a:xfrm>
+            <a:off x="1037844" y="2091379"/>
+            <a:ext cx="3165348" cy="3054096"/>
+          </a:xfrm>
+          <a:prstGeom prst="rect">
+            <a:avLst/>
+          </a:prstGeom>
+        </p:spPr>
+        <p:style>
+          <a:lnRef idx="2">
+            <a:schemeClr val="dk1"/>
+          </a:lnRef>
+          <a:fillRef idx="1">
+            <a:schemeClr val="lt1"/>
+          </a:fillRef>
+          <a:effectRef idx="0">
+            <a:schemeClr val="dk1"/>
+          </a:effectRef>
+          <a:fontRef idx="minor">
+            <a:schemeClr val="dk1"/>
+          </a:fontRef>
+        </p:style>
+        <p:txBody>
+          <a:bodyPr rtlCol="0" anchor="ctr"/>
+          <a:lstStyle/>
+          <a:p>
+            <a:r>
+              <a:rPr lang="en-US" dirty="0" smtClean="0">
+                <a:latin typeface="Brush Script MT" panose="03060802040406070304" pitchFamily="66" charset="0"/>
+              </a:rPr>
+              <a:t>C</a:t>
+            </a:r>
+            <a:r>
+              <a:rPr lang="en-US" dirty="0" smtClean="0">
+                <a:latin typeface="Consolas" panose="020B0609020204030204" pitchFamily="49" charset="0"/>
+              </a:rPr>
+              <a:t> </a:t>
+            </a:r>
+            <a:r>
+              <a:rPr lang="en-US" dirty="0">
+                <a:latin typeface="Consolas" panose="020B0609020204030204" pitchFamily="49" charset="0"/>
+              </a:rPr>
+              <a:t>:= </a:t>
+            </a:r>
+          </a:p>
+          <a:p>
+            <a:r>
+              <a:rPr lang="en-US" dirty="0" smtClean="0">
+                <a:latin typeface="Consolas" panose="020B0609020204030204" pitchFamily="49" charset="0"/>
+              </a:rPr>
+              <a:t>  x</a:t>
+            </a:r>
+            <a:r>
+              <a:rPr lang="en-US" baseline="-25000" dirty="0" smtClean="0">
+                <a:latin typeface="Consolas" panose="020B0609020204030204" pitchFamily="49" charset="0"/>
+              </a:rPr>
+              <a:t>1</a:t>
+            </a:r>
+            <a:r>
+              <a:rPr lang="en-US" dirty="0" smtClean="0">
+                <a:latin typeface="Consolas" panose="020B0609020204030204" pitchFamily="49" charset="0"/>
+              </a:rPr>
+              <a:t> = x</a:t>
+            </a:r>
+            <a:r>
+              <a:rPr lang="en-US" baseline="-25000" dirty="0">
+                <a:latin typeface="Consolas" panose="020B0609020204030204" pitchFamily="49" charset="0"/>
+              </a:rPr>
+              <a:t>0</a:t>
+            </a:r>
+            <a:r>
+              <a:rPr lang="en-US" dirty="0" smtClean="0">
+                <a:latin typeface="Consolas" panose="020B0609020204030204" pitchFamily="49" charset="0"/>
+              </a:rPr>
+              <a:t> + 1 &amp;</a:t>
+            </a:r>
+          </a:p>
+          <a:p>
+            <a:r>
+              <a:rPr lang="en-US" dirty="0" smtClean="0">
+                <a:latin typeface="Consolas" panose="020B0609020204030204" pitchFamily="49" charset="0"/>
+              </a:rPr>
+              <a:t>  x</a:t>
+            </a:r>
+            <a:r>
+              <a:rPr lang="en-US" baseline="-25000" dirty="0" smtClean="0">
+                <a:latin typeface="Consolas" panose="020B0609020204030204" pitchFamily="49" charset="0"/>
+              </a:rPr>
+              <a:t>2</a:t>
+            </a:r>
+            <a:r>
+              <a:rPr lang="en-US" dirty="0" smtClean="0">
+                <a:latin typeface="Consolas" panose="020B0609020204030204" pitchFamily="49" charset="0"/>
+              </a:rPr>
+              <a:t> = 2 &amp;</a:t>
+            </a:r>
+          </a:p>
+          <a:p>
+            <a:r>
+              <a:rPr lang="en-US" dirty="0" smtClean="0">
+                <a:latin typeface="Consolas" panose="020B0609020204030204" pitchFamily="49" charset="0"/>
+              </a:rPr>
+              <a:t>  x</a:t>
+            </a:r>
+            <a:r>
+              <a:rPr lang="en-US" baseline="-25000" dirty="0" smtClean="0">
+                <a:latin typeface="Consolas" panose="020B0609020204030204" pitchFamily="49" charset="0"/>
+              </a:rPr>
+              <a:t>3</a:t>
+            </a:r>
+            <a:r>
+              <a:rPr lang="en-US" dirty="0" smtClean="0">
+                <a:latin typeface="Consolas" panose="020B0609020204030204" pitchFamily="49" charset="0"/>
+              </a:rPr>
+              <a:t> </a:t>
+            </a:r>
+            <a:r>
+              <a:rPr lang="en-US" dirty="0">
+                <a:latin typeface="Consolas" panose="020B0609020204030204" pitchFamily="49" charset="0"/>
+              </a:rPr>
+              <a:t>= </a:t>
+            </a:r>
+            <a:r>
+              <a:rPr lang="en-US" dirty="0" smtClean="0">
+                <a:latin typeface="Consolas" panose="020B0609020204030204" pitchFamily="49" charset="0"/>
+              </a:rPr>
+              <a:t>x</a:t>
+            </a:r>
+            <a:r>
+              <a:rPr lang="en-US" baseline="-25000" dirty="0" smtClean="0">
+                <a:latin typeface="Consolas" panose="020B0609020204030204" pitchFamily="49" charset="0"/>
+              </a:rPr>
+              <a:t>2</a:t>
+            </a:r>
+            <a:r>
+              <a:rPr lang="en-US" dirty="0" smtClean="0">
+                <a:latin typeface="Consolas" panose="020B0609020204030204" pitchFamily="49" charset="0"/>
+              </a:rPr>
+              <a:t> </a:t>
+            </a:r>
+            <a:r>
+              <a:rPr lang="en-US" dirty="0">
+                <a:latin typeface="Consolas" panose="020B0609020204030204" pitchFamily="49" charset="0"/>
+              </a:rPr>
+              <a:t>+ </a:t>
+            </a:r>
+            <a:r>
+              <a:rPr lang="en-US" dirty="0" smtClean="0">
+                <a:latin typeface="Consolas" panose="020B0609020204030204" pitchFamily="49" charset="0"/>
+              </a:rPr>
+              <a:t>1 &amp;</a:t>
+            </a:r>
+          </a:p>
+          <a:p>
+            <a:r>
+              <a:rPr lang="en-US" dirty="0" smtClean="0">
+                <a:latin typeface="Consolas" panose="020B0609020204030204" pitchFamily="49" charset="0"/>
+              </a:rPr>
+              <a:t>  x</a:t>
+            </a:r>
+            <a:r>
+              <a:rPr lang="en-US" baseline="-25000" dirty="0" smtClean="0">
+                <a:latin typeface="Consolas" panose="020B0609020204030204" pitchFamily="49" charset="0"/>
+              </a:rPr>
+              <a:t>4</a:t>
+            </a:r>
+            <a:r>
+              <a:rPr lang="en-US" dirty="0" smtClean="0">
+                <a:latin typeface="Consolas" panose="020B0609020204030204" pitchFamily="49" charset="0"/>
+              </a:rPr>
+              <a:t> </a:t>
+            </a:r>
+            <a:r>
+              <a:rPr lang="en-US" dirty="0">
+                <a:latin typeface="Consolas" panose="020B0609020204030204" pitchFamily="49" charset="0"/>
+              </a:rPr>
+              <a:t>= </a:t>
+            </a:r>
+            <a:r>
+              <a:rPr lang="en-US" dirty="0" err="1" smtClean="0">
+                <a:latin typeface="Consolas" panose="020B0609020204030204" pitchFamily="49" charset="0"/>
+              </a:rPr>
+              <a:t>ite</a:t>
+            </a:r>
+            <a:r>
+              <a:rPr lang="en-US" dirty="0" smtClean="0">
+                <a:latin typeface="Consolas" panose="020B0609020204030204" pitchFamily="49" charset="0"/>
+              </a:rPr>
+              <a:t>(z</a:t>
+            </a:r>
+            <a:r>
+              <a:rPr lang="en-US" baseline="-25000" dirty="0" smtClean="0">
+                <a:latin typeface="Consolas" panose="020B0609020204030204" pitchFamily="49" charset="0"/>
+              </a:rPr>
+              <a:t>0</a:t>
+            </a:r>
+            <a:r>
+              <a:rPr lang="en-US" dirty="0" smtClean="0">
+                <a:latin typeface="Consolas" panose="020B0609020204030204" pitchFamily="49" charset="0"/>
+              </a:rPr>
+              <a:t>,x</a:t>
+            </a:r>
+            <a:r>
+              <a:rPr lang="en-US" baseline="-25000" dirty="0" smtClean="0">
+                <a:latin typeface="Consolas" panose="020B0609020204030204" pitchFamily="49" charset="0"/>
+              </a:rPr>
+              <a:t>3</a:t>
+            </a:r>
+            <a:r>
+              <a:rPr lang="en-US" dirty="0" smtClean="0">
+                <a:latin typeface="Consolas" panose="020B0609020204030204" pitchFamily="49" charset="0"/>
+              </a:rPr>
+              <a:t>,x</a:t>
+            </a:r>
+            <a:r>
+              <a:rPr lang="en-US" baseline="-25000" dirty="0" smtClean="0">
+                <a:latin typeface="Consolas" panose="020B0609020204030204" pitchFamily="49" charset="0"/>
+              </a:rPr>
+              <a:t>2</a:t>
+            </a:r>
+            <a:r>
+              <a:rPr lang="en-US" dirty="0" smtClean="0">
+                <a:latin typeface="Consolas" panose="020B0609020204030204" pitchFamily="49" charset="0"/>
+              </a:rPr>
+              <a:t>) &amp;</a:t>
+            </a:r>
+          </a:p>
+          <a:p>
+            <a:r>
+              <a:rPr lang="en-US" dirty="0" smtClean="0">
+                <a:latin typeface="Consolas" panose="020B0609020204030204" pitchFamily="49" charset="0"/>
+              </a:rPr>
+              <a:t>  x</a:t>
+            </a:r>
+            <a:r>
+              <a:rPr lang="en-US" baseline="-25000" dirty="0" smtClean="0">
+                <a:latin typeface="Consolas" panose="020B0609020204030204" pitchFamily="49" charset="0"/>
+              </a:rPr>
+              <a:t>5</a:t>
+            </a:r>
+            <a:r>
+              <a:rPr lang="en-US" dirty="0" smtClean="0">
+                <a:latin typeface="Consolas" panose="020B0609020204030204" pitchFamily="49" charset="0"/>
+              </a:rPr>
+              <a:t> = </a:t>
+            </a:r>
+            <a:r>
+              <a:rPr lang="en-US" dirty="0" err="1" smtClean="0">
+                <a:latin typeface="Consolas" panose="020B0609020204030204" pitchFamily="49" charset="0"/>
+              </a:rPr>
+              <a:t>ite</a:t>
+            </a:r>
+            <a:r>
+              <a:rPr lang="en-US" dirty="0" smtClean="0">
+                <a:latin typeface="Consolas" panose="020B0609020204030204" pitchFamily="49" charset="0"/>
+              </a:rPr>
+              <a:t>((x</a:t>
+            </a:r>
+            <a:r>
+              <a:rPr lang="en-US" baseline="-25000" dirty="0" smtClean="0">
+                <a:latin typeface="Consolas" panose="020B0609020204030204" pitchFamily="49" charset="0"/>
+              </a:rPr>
+              <a:t>1</a:t>
+            </a:r>
+            <a:r>
+              <a:rPr lang="en-US" dirty="0" smtClean="0">
+                <a:latin typeface="Consolas" panose="020B0609020204030204" pitchFamily="49" charset="0"/>
+              </a:rPr>
+              <a:t>!=1),x</a:t>
+            </a:r>
+            <a:r>
+              <a:rPr lang="en-US" baseline="-25000" dirty="0" smtClean="0">
+                <a:latin typeface="Consolas" panose="020B0609020204030204" pitchFamily="49" charset="0"/>
+              </a:rPr>
+              <a:t>4</a:t>
+            </a:r>
+            <a:r>
+              <a:rPr lang="en-US" dirty="0" smtClean="0">
+                <a:latin typeface="Consolas" panose="020B0609020204030204" pitchFamily="49" charset="0"/>
+              </a:rPr>
+              <a:t>,x</a:t>
+            </a:r>
+            <a:r>
+              <a:rPr lang="en-US" baseline="-25000" dirty="0" smtClean="0">
+                <a:latin typeface="Consolas" panose="020B0609020204030204" pitchFamily="49" charset="0"/>
+              </a:rPr>
+              <a:t>1</a:t>
+            </a:r>
+            <a:r>
+              <a:rPr lang="en-US" dirty="0" smtClean="0">
+                <a:latin typeface="Consolas" panose="020B0609020204030204" pitchFamily="49" charset="0"/>
+              </a:rPr>
+              <a:t>)</a:t>
+            </a:r>
+          </a:p>
+          <a:p>
+            <a:endParaRPr lang="en-US" dirty="0" smtClean="0">
+              <a:latin typeface="Consolas" panose="020B0609020204030204" pitchFamily="49" charset="0"/>
+            </a:endParaRPr>
+          </a:p>
+          <a:p>
+            <a:r>
+              <a:rPr lang="en-US" dirty="0" smtClean="0">
+                <a:latin typeface="Brush Script MT" panose="03060802040406070304" pitchFamily="66" charset="0"/>
+              </a:rPr>
+              <a:t>P</a:t>
+            </a:r>
+            <a:r>
+              <a:rPr lang="en-US" dirty="0" smtClean="0">
+                <a:latin typeface="Consolas" panose="020B0609020204030204" pitchFamily="49" charset="0"/>
+              </a:rPr>
+              <a:t> := </a:t>
+            </a:r>
+            <a:r>
+              <a:rPr lang="en-US" dirty="0" smtClean="0">
+                <a:latin typeface="Consolas" panose="020B0609020204030204" pitchFamily="49" charset="0"/>
+              </a:rPr>
+              <a:t>x</a:t>
+            </a:r>
+            <a:r>
+              <a:rPr lang="en-US" baseline="-25000" dirty="0" smtClean="0">
+                <a:latin typeface="Consolas" panose="020B0609020204030204" pitchFamily="49" charset="0"/>
+              </a:rPr>
+              <a:t>5</a:t>
+            </a:r>
+            <a:r>
+              <a:rPr lang="en-US" dirty="0" smtClean="0">
+                <a:latin typeface="Consolas" panose="020B0609020204030204" pitchFamily="49" charset="0"/>
+              </a:rPr>
+              <a:t> </a:t>
+            </a:r>
+            <a:r>
+              <a:rPr lang="en-US" dirty="0" smtClean="0">
+                <a:latin typeface="Consolas" panose="020B0609020204030204" pitchFamily="49" charset="0"/>
+              </a:rPr>
+              <a:t>&lt;= 3;</a:t>
+            </a:r>
+          </a:p>
+          <a:p>
+            <a:endParaRPr lang="en-US" dirty="0">
+              <a:latin typeface="Consolas" panose="020B0609020204030204" pitchFamily="49" charset="0"/>
+            </a:endParaRPr>
+          </a:p>
+          <a:p>
+            <a:r>
+              <a:rPr lang="en-US" dirty="0">
+                <a:solidFill>
+                  <a:srgbClr val="FF0000"/>
+                </a:solidFill>
+                <a:latin typeface="Brush Script MT" panose="03060802040406070304" pitchFamily="66" charset="0"/>
+              </a:rPr>
+              <a:t>C &amp; !</a:t>
+            </a:r>
+            <a:r>
+              <a:rPr lang="en-US" dirty="0" smtClean="0">
+                <a:solidFill>
+                  <a:srgbClr val="FF0000"/>
+                </a:solidFill>
+                <a:latin typeface="Brush Script MT" panose="03060802040406070304" pitchFamily="66" charset="0"/>
+              </a:rPr>
+              <a:t>P</a:t>
+            </a:r>
+            <a:endParaRPr lang="en-US" dirty="0">
+              <a:solidFill>
+                <a:srgbClr val="FF0000"/>
+              </a:solidFill>
+              <a:latin typeface="Consolas" panose="020B0609020204030204" pitchFamily="49" charset="0"/>
+            </a:endParaRPr>
+          </a:p>
+        </p:txBody>
+      </p:sp>
+      <p:cxnSp>
+        <p:nvCxnSpPr>
+          <p:cNvPr id="18" name="Conector de seta reta 17"/>
+          <p:cNvCxnSpPr>
+            <a:endCxn id="17" idx="1"/>
+          </p:cNvCxnSpPr>
+          <p:nvPr/>
+        </p:nvCxnSpPr>
+        <p:spPr>
+          <a:xfrm flipV="1">
+            <a:off x="12192" y="3618427"/>
+            <a:ext cx="1025652" cy="1524"/>
+          </a:xfrm>
+          <a:prstGeom prst="straightConnector1">
+            <a:avLst/>
+          </a:prstGeom>
+          <a:ln w="38100">
+            <a:tailEnd type="arrow"/>
+          </a:ln>
+        </p:spPr>
+        <p:style>
+          <a:lnRef idx="1">
+            <a:schemeClr val="accent1"/>
+          </a:lnRef>
+          <a:fillRef idx="0">
+            <a:schemeClr val="accent1"/>
+          </a:fillRef>
+          <a:effectRef idx="0">
+            <a:schemeClr val="accent1"/>
+          </a:effectRef>
+          <a:fontRef idx="minor">
+            <a:schemeClr val="tx1"/>
+          </a:fontRef>
+        </p:style>
+      </p:cxnSp>
+      <p:sp>
+        <p:nvSpPr>
+          <p:cNvPr id="21" name="CaixaDeTexto 20"/>
+          <p:cNvSpPr txBox="1"/>
+          <p:nvPr/>
+        </p:nvSpPr>
+        <p:spPr>
+          <a:xfrm>
+            <a:off x="12192" y="2820330"/>
+            <a:ext cx="958980" cy="646331"/>
+          </a:xfrm>
+          <a:prstGeom prst="rect">
+            <a:avLst/>
+          </a:prstGeom>
+          <a:noFill/>
+        </p:spPr>
+        <p:txBody>
+          <a:bodyPr wrap="none" rtlCol="0">
+            <a:spAutoFit/>
+          </a:bodyPr>
+          <a:lstStyle/>
+          <a:p>
+            <a:pPr algn="ctr"/>
+            <a:r>
+              <a:rPr lang="en-US" dirty="0" smtClean="0"/>
+              <a:t>Logical </a:t>
+            </a:r>
+          </a:p>
+          <a:p>
+            <a:pPr algn="ctr"/>
+            <a:r>
+              <a:rPr lang="en-US" dirty="0" smtClean="0"/>
+              <a:t>Formula</a:t>
+            </a:r>
+            <a:endParaRPr lang="en-US" dirty="0"/>
           </a:p>
         </p:txBody>
       </p:sp>
@@ -5576,7 +6141,7 @@
 </p:sld>
 </file>
 
-<file path=ppt/slides/slide14.xml><?xml version="1.0" encoding="utf-8"?>
+<file path=ppt/slides/slide16.xml><?xml version="1.0" encoding="utf-8"?>
 <p:sld xmlns:a="http://schemas.openxmlformats.org/drawingml/2006/main" xmlns:r="http://schemas.openxmlformats.org/officeDocument/2006/relationships" xmlns:p="http://schemas.openxmlformats.org/presentationml/2006/main">
   <p:cSld>
     <p:spTree>
@@ -5633,7 +6198,7 @@
           <a:p>
             <a:fld id="{8C71CAF9-4461-454A-B702-D536C3775752}" type="slidenum">
               <a:rPr lang="en-US" smtClean="0"/>
-              <a:t>14</a:t>
+              <a:t>16</a:t>
             </a:fld>
             <a:endParaRPr lang="en-US"/>
           </a:p>
@@ -5754,7 +6319,15 @@
             <a:pPr lvl="1"/>
             <a:r>
               <a:rPr lang="en-US" dirty="0" smtClean="0"/>
-              <a:t>Precision: Loops, pointers, reflection, etc.</a:t>
+              <a:t>Precision: </a:t>
+            </a:r>
+            <a:r>
+              <a:rPr lang="en-US" dirty="0" smtClean="0"/>
+              <a:t>Pointers</a:t>
+            </a:r>
+            <a:r>
+              <a:rPr lang="en-US" dirty="0" smtClean="0"/>
+              <a:t>, reflection, etc.</a:t>
             </a:r>
             <a:endParaRPr lang="en-US" dirty="0"/>
           </a:p>
@@ -6186,7 +6759,7 @@
 </p:sld>
 </file>
 
-<file path=ppt/slides/slide15.xml><?xml version="1.0" encoding="utf-8"?>
+<file path=ppt/slides/slide17.xml><?xml version="1.0" encoding="utf-8"?>
 <p:sld xmlns:a="http://schemas.openxmlformats.org/drawingml/2006/main" xmlns:r="http://schemas.openxmlformats.org/officeDocument/2006/relationships" xmlns:p="http://schemas.openxmlformats.org/presentationml/2006/main">
   <p:cSld>
     <p:spTree>
@@ -6248,7 +6821,7 @@
           <a:p>
             <a:fld id="{8C71CAF9-4461-454A-B702-D536C3775752}" type="slidenum">
               <a:rPr lang="en-US" smtClean="0"/>
-              <a:t>15</a:t>
+              <a:t>17</a:t>
             </a:fld>
             <a:endParaRPr lang="en-US"/>
           </a:p>
@@ -6480,7 +7053,6 @@
               <a:rPr lang="en-US" dirty="0" smtClean="0"/>
               <a:t>Method for checking properties in system designs</a:t>
             </a:r>
-            <a:endParaRPr lang="en-US" dirty="0" smtClean="0"/>
           </a:p>
           <a:p>
             <a:pPr lvl="1"/>
@@ -6499,23 +7071,66 @@
             <a:pPr lvl="1"/>
             <a:r>
               <a:rPr lang="en-US" dirty="0" smtClean="0"/>
-              <a:t>Model your problem as a Labeled Transition System (LTS)</a:t>
+              <a:t>Model </a:t>
+            </a:r>
+            <a:r>
+              <a:rPr lang="en-US" dirty="0" smtClean="0"/>
+              <a:t>are encoded as </a:t>
+            </a:r>
+            <a:r>
+              <a:rPr lang="en-US" dirty="0" smtClean="0"/>
+              <a:t>Labeled Transition System (LTS)</a:t>
             </a:r>
           </a:p>
           <a:p>
             <a:pPr lvl="1"/>
             <a:r>
               <a:rPr lang="en-US" dirty="0" smtClean="0"/>
-              <a:t>Describe properties in same language (e.g., LTL, CTL)</a:t>
+              <a:t>Describe properties </a:t>
+            </a:r>
+            <a:r>
+              <a:rPr lang="en-US" smtClean="0"/>
+              <a:t>in </a:t>
+            </a:r>
+            <a:r>
+              <a:rPr lang="en-US" smtClean="0"/>
+              <a:t>some </a:t>
+            </a:r>
+            <a:r>
+              <a:rPr lang="en-US" smtClean="0"/>
+              <a:t>specification </a:t>
+            </a:r>
+            <a:r>
+              <a:rPr lang="en-US" dirty="0" smtClean="0"/>
+              <a:t>language </a:t>
+            </a:r>
+            <a:r>
+              <a:rPr lang="en-US" dirty="0" smtClean="0"/>
+              <a:t>(e.g., LTL, CTL)</a:t>
             </a:r>
           </a:p>
           <a:p>
             <a:pPr lvl="1"/>
             <a:r>
               <a:rPr lang="en-US" dirty="0" smtClean="0"/>
-              <a:t>Verify property on LTS</a:t>
-            </a:r>
-            <a:endParaRPr lang="en-US" dirty="0" smtClean="0"/>
+              <a:t>Verify </a:t>
+            </a:r>
+            <a:r>
+              <a:rPr lang="en-US" dirty="0" smtClean="0"/>
+              <a:t>properties </a:t>
+            </a:r>
+            <a:r>
+              <a:rPr lang="en-US" dirty="0"/>
+              <a:t>i</a:t>
+            </a:r>
+            <a:r>
+              <a:rPr lang="en-US" dirty="0" smtClean="0"/>
+              <a:t>n </a:t>
+            </a:r>
+            <a:r>
+              <a:rPr lang="en-US" dirty="0" smtClean="0"/>
+              <a:t>LTS</a:t>
+            </a:r>
           </a:p>
         </p:txBody>
       </p:sp>
@@ -6619,9 +7234,8 @@
           <a:p>
             <a:r>
               <a:rPr lang="en-US" dirty="0" smtClean="0"/>
-              <a:t>Method for checking properties in system models</a:t>
-            </a:r>
-            <a:endParaRPr lang="en-US" dirty="0" smtClean="0"/>
+              <a:t>Method for checking properties in system designs</a:t>
+            </a:r>
           </a:p>
           <a:p>
             <a:pPr lvl="1"/>
@@ -6640,23 +7254,58 @@
             <a:pPr lvl="1"/>
             <a:r>
               <a:rPr lang="en-US" dirty="0" smtClean="0"/>
-              <a:t>Model your problem as a Labeled Transition System (LTS)</a:t>
+              <a:t>Model </a:t>
+            </a:r>
+            <a:r>
+              <a:rPr lang="en-US" dirty="0" smtClean="0"/>
+              <a:t>are encoded as </a:t>
+            </a:r>
+            <a:r>
+              <a:rPr lang="en-US" dirty="0" smtClean="0"/>
+              <a:t>Labeled Transition System (LTS)</a:t>
             </a:r>
           </a:p>
           <a:p>
             <a:pPr lvl="1"/>
             <a:r>
               <a:rPr lang="en-US" dirty="0" smtClean="0"/>
-              <a:t>Describe properties in same language (e.g., LTL, CTL)</a:t>
+              <a:t>Describe properties in </a:t>
+            </a:r>
+            <a:r>
+              <a:rPr lang="en-US" dirty="0" smtClean="0"/>
+              <a:t>some</a:t>
+            </a:r>
+            <a:r>
+              <a:rPr lang="en-US" dirty="0" smtClean="0"/>
+              <a:t> specification language </a:t>
+            </a:r>
+            <a:r>
+              <a:rPr lang="en-US" dirty="0" smtClean="0"/>
+              <a:t>(e.g., LTL, CTL)</a:t>
             </a:r>
           </a:p>
           <a:p>
             <a:pPr lvl="1"/>
             <a:r>
               <a:rPr lang="en-US" dirty="0" smtClean="0"/>
-              <a:t>Verify property on LTS</a:t>
-            </a:r>
-            <a:endParaRPr lang="en-US" dirty="0" smtClean="0"/>
+              <a:t>Verify </a:t>
+            </a:r>
+            <a:r>
+              <a:rPr lang="en-US" dirty="0" smtClean="0"/>
+              <a:t>properties </a:t>
+            </a:r>
+            <a:r>
+              <a:rPr lang="en-US" dirty="0"/>
+              <a:t>i</a:t>
+            </a:r>
+            <a:r>
+              <a:rPr lang="en-US" dirty="0" smtClean="0"/>
+              <a:t>n </a:t>
+            </a:r>
+            <a:r>
+              <a:rPr lang="en-US" dirty="0" smtClean="0"/>
+              <a:t>LTS</a:t>
+            </a:r>
           </a:p>
         </p:txBody>
       </p:sp>
@@ -6685,124 +7334,434 @@
       </p:sp>
       <p:sp>
         <p:nvSpPr>
-          <p:cNvPr id="5" name="AutoShape 2" descr="Resultado de imagem para model checking"/>
-          <p:cNvSpPr>
-            <a:spLocks noChangeAspect="1" noChangeArrowheads="1"/>
+          <p:cNvPr id="5" name="Espaço Reservado para Número de Slide 3"/>
+          <p:cNvSpPr txBox="1">
+            <a:spLocks/>
           </p:cNvSpPr>
           <p:nvPr/>
         </p:nvSpPr>
-        <p:spPr bwMode="auto">
+        <p:spPr>
           <a:xfrm>
-            <a:off x="155575" y="-144463"/>
-            <a:ext cx="304800" cy="304801"/>
+            <a:off x="8610600" y="6356350"/>
+            <a:ext cx="2743200" cy="365125"/>
           </a:xfrm>
           <a:prstGeom prst="rect">
             <a:avLst/>
           </a:prstGeom>
-          <a:noFill/>
-          <a:extLst>
-            <a:ext uri="{909E8E84-426E-40DD-AFC4-6F175D3DCCD1}">
-              <a14:hiddenFill xmlns:a14="http://schemas.microsoft.com/office/drawing/2010/main">
+        </p:spPr>
+        <p:txBody>
+          <a:bodyPr vert="horz" lIns="91440" tIns="45720" rIns="91440" bIns="45720" rtlCol="0" anchor="ctr"/>
+          <a:lstStyle>
+            <a:defPPr>
+              <a:defRPr lang="en-US"/>
+            </a:defPPr>
+            <a:lvl1pPr marL="0" algn="r" defTabSz="914400" rtl="0" eaLnBrk="1" latinLnBrk="0" hangingPunct="1">
+              <a:defRPr sz="1200" kern="1200">
                 <a:solidFill>
-                  <a:srgbClr val="FFFFFF"/>
+                  <a:schemeClr val="tx1">
+                    <a:tint val="75000"/>
+                  </a:schemeClr>
                 </a:solidFill>
-              </a14:hiddenFill>
-            </a:ext>
-          </a:extLst>
-        </p:spPr>
-        <p:txBody>
-          <a:bodyPr vert="horz" wrap="square" lIns="91440" tIns="45720" rIns="91440" bIns="45720" numCol="1" anchor="t" anchorCtr="0" compatLnSpc="1">
-            <a:prstTxWarp prst="textNoShape">
-              <a:avLst/>
-            </a:prstTxWarp>
-          </a:bodyPr>
-          <a:lstStyle/>
-          <a:p>
+                <a:latin typeface="+mn-lt"/>
+                <a:ea typeface="+mn-ea"/>
+                <a:cs typeface="+mn-cs"/>
+              </a:defRPr>
+            </a:lvl1pPr>
+            <a:lvl2pPr marL="457200" algn="l" defTabSz="914400" rtl="0" eaLnBrk="1" latinLnBrk="0" hangingPunct="1">
+              <a:defRPr sz="1800" kern="1200">
+                <a:solidFill>
+                  <a:schemeClr val="tx1"/>
+                </a:solidFill>
+                <a:latin typeface="+mn-lt"/>
+                <a:ea typeface="+mn-ea"/>
+                <a:cs typeface="+mn-cs"/>
+              </a:defRPr>
+            </a:lvl2pPr>
+            <a:lvl3pPr marL="914400" algn="l" defTabSz="914400" rtl="0" eaLnBrk="1" latinLnBrk="0" hangingPunct="1">
+              <a:defRPr sz="1800" kern="1200">
+                <a:solidFill>
+                  <a:schemeClr val="tx1"/>
+                </a:solidFill>
+                <a:latin typeface="+mn-lt"/>
+                <a:ea typeface="+mn-ea"/>
+                <a:cs typeface="+mn-cs"/>
+              </a:defRPr>
+            </a:lvl3pPr>
+            <a:lvl4pPr marL="1371600" algn="l" defTabSz="914400" rtl="0" eaLnBrk="1" latinLnBrk="0" hangingPunct="1">
+              <a:defRPr sz="1800" kern="1200">
+                <a:solidFill>
+                  <a:schemeClr val="tx1"/>
+                </a:solidFill>
+                <a:latin typeface="+mn-lt"/>
+                <a:ea typeface="+mn-ea"/>
+                <a:cs typeface="+mn-cs"/>
+              </a:defRPr>
+            </a:lvl4pPr>
+            <a:lvl5pPr marL="1828800" algn="l" defTabSz="914400" rtl="0" eaLnBrk="1" latinLnBrk="0" hangingPunct="1">
+              <a:defRPr sz="1800" kern="1200">
+                <a:solidFill>
+                  <a:schemeClr val="tx1"/>
+                </a:solidFill>
+                <a:latin typeface="+mn-lt"/>
+                <a:ea typeface="+mn-ea"/>
+                <a:cs typeface="+mn-cs"/>
+              </a:defRPr>
+            </a:lvl5pPr>
+            <a:lvl6pPr marL="2286000" algn="l" defTabSz="914400" rtl="0" eaLnBrk="1" latinLnBrk="0" hangingPunct="1">
+              <a:defRPr sz="1800" kern="1200">
+                <a:solidFill>
+                  <a:schemeClr val="tx1"/>
+                </a:solidFill>
+                <a:latin typeface="+mn-lt"/>
+                <a:ea typeface="+mn-ea"/>
+                <a:cs typeface="+mn-cs"/>
+              </a:defRPr>
+            </a:lvl6pPr>
+            <a:lvl7pPr marL="2743200" algn="l" defTabSz="914400" rtl="0" eaLnBrk="1" latinLnBrk="0" hangingPunct="1">
+              <a:defRPr sz="1800" kern="1200">
+                <a:solidFill>
+                  <a:schemeClr val="tx1"/>
+                </a:solidFill>
+                <a:latin typeface="+mn-lt"/>
+                <a:ea typeface="+mn-ea"/>
+                <a:cs typeface="+mn-cs"/>
+              </a:defRPr>
+            </a:lvl7pPr>
+            <a:lvl8pPr marL="3200400" algn="l" defTabSz="914400" rtl="0" eaLnBrk="1" latinLnBrk="0" hangingPunct="1">
+              <a:defRPr sz="1800" kern="1200">
+                <a:solidFill>
+                  <a:schemeClr val="tx1"/>
+                </a:solidFill>
+                <a:latin typeface="+mn-lt"/>
+                <a:ea typeface="+mn-ea"/>
+                <a:cs typeface="+mn-cs"/>
+              </a:defRPr>
+            </a:lvl8pPr>
+            <a:lvl9pPr marL="3657600" algn="l" defTabSz="914400" rtl="0" eaLnBrk="1" latinLnBrk="0" hangingPunct="1">
+              <a:defRPr sz="1800" kern="1200">
+                <a:solidFill>
+                  <a:schemeClr val="tx1"/>
+                </a:solidFill>
+                <a:latin typeface="+mn-lt"/>
+                <a:ea typeface="+mn-ea"/>
+                <a:cs typeface="+mn-cs"/>
+              </a:defRPr>
+            </a:lvl9pPr>
+          </a:lstStyle>
+          <a:p>
+            <a:fld id="{8C71CAF9-4461-454A-B702-D536C3775752}" type="slidenum">
+              <a:rPr lang="en-US" smtClean="0"/>
+              <a:pPr/>
+              <a:t>4</a:t>
+            </a:fld>
             <a:endParaRPr lang="en-US"/>
           </a:p>
         </p:txBody>
       </p:sp>
-      <p:sp>
-        <p:nvSpPr>
-          <p:cNvPr id="6" name="AutoShape 4" descr="Resultado de imagem para model checking"/>
-          <p:cNvSpPr>
-            <a:spLocks noChangeAspect="1" noChangeArrowheads="1"/>
+    </p:spTree>
+    <p:extLst>
+      <p:ext uri="{BB962C8B-B14F-4D97-AF65-F5344CB8AC3E}">
+        <p14:creationId xmlns:p14="http://schemas.microsoft.com/office/powerpoint/2010/main" val="158435167"/>
+      </p:ext>
+    </p:extLst>
+  </p:cSld>
+  <p:clrMapOvr>
+    <a:masterClrMapping/>
+  </p:clrMapOvr>
+  <p:timing>
+    <p:tnLst>
+      <p:par>
+        <p:cTn id="1" dur="indefinite" restart="never" nodeType="tmRoot"/>
+      </p:par>
+    </p:tnLst>
+  </p:timing>
+</p:sld>
+</file>
+
+<file path=ppt/slides/slide5.xml><?xml version="1.0" encoding="utf-8"?>
+<p:sld xmlns:a="http://schemas.openxmlformats.org/drawingml/2006/main" xmlns:r="http://schemas.openxmlformats.org/officeDocument/2006/relationships" xmlns:p="http://schemas.openxmlformats.org/presentationml/2006/main">
+  <p:cSld>
+    <p:spTree>
+      <p:nvGrpSpPr>
+        <p:cNvPr id="1" name=""/>
+        <p:cNvGrpSpPr/>
+        <p:nvPr/>
+      </p:nvGrpSpPr>
+      <p:grpSpPr>
+        <a:xfrm>
+          <a:off x="0" y="0"/>
+          <a:ext cx="0" cy="0"/>
+          <a:chOff x="0" y="0"/>
+          <a:chExt cx="0" cy="0"/>
+        </a:xfrm>
+      </p:grpSpPr>
+      <p:sp>
+        <p:nvSpPr>
+          <p:cNvPr id="2" name="Título 1"/>
+          <p:cNvSpPr>
+            <a:spLocks noGrp="1"/>
+          </p:cNvSpPr>
+          <p:nvPr>
+            <p:ph type="title"/>
+          </p:nvPr>
+        </p:nvSpPr>
+        <p:spPr/>
+        <p:txBody>
+          <a:bodyPr/>
+          <a:lstStyle/>
+          <a:p>
+            <a:r>
+              <a:rPr lang="en-US" dirty="0" smtClean="0"/>
+              <a:t>Model Checking (MC)</a:t>
+            </a:r>
+            <a:endParaRPr lang="en-US" dirty="0"/>
+          </a:p>
+        </p:txBody>
+      </p:sp>
+      <p:sp>
+        <p:nvSpPr>
+          <p:cNvPr id="3" name="Espaço Reservado para Conteúdo 2"/>
+          <p:cNvSpPr>
+            <a:spLocks noGrp="1"/>
+          </p:cNvSpPr>
+          <p:nvPr>
+            <p:ph idx="1"/>
+          </p:nvPr>
+        </p:nvSpPr>
+        <p:spPr/>
+        <p:txBody>
+          <a:bodyPr/>
+          <a:lstStyle/>
+          <a:p>
+            <a:r>
+              <a:rPr lang="en-US" dirty="0" smtClean="0"/>
+              <a:t>Method for checking properties in system designs</a:t>
+            </a:r>
+          </a:p>
+          <a:p>
+            <a:pPr lvl="1"/>
+            <a:r>
+              <a:rPr lang="en-US" dirty="0" smtClean="0"/>
+              <a:t>Extremely popular in hardware verification!</a:t>
+            </a:r>
+          </a:p>
+          <a:p>
+            <a:r>
+              <a:rPr lang="en-US" dirty="0" smtClean="0"/>
+              <a:t>Intuition</a:t>
+            </a:r>
+          </a:p>
+          <a:p>
+            <a:pPr lvl="1"/>
+            <a:r>
+              <a:rPr lang="en-US" dirty="0" smtClean="0"/>
+              <a:t>Model </a:t>
+            </a:r>
+            <a:r>
+              <a:rPr lang="en-US" dirty="0" smtClean="0"/>
+              <a:t>are encoded as </a:t>
+            </a:r>
+            <a:r>
+              <a:rPr lang="en-US" dirty="0" smtClean="0"/>
+              <a:t>Labeled Transition System (LTS)</a:t>
+            </a:r>
+          </a:p>
+          <a:p>
+            <a:pPr lvl="1"/>
+            <a:r>
+              <a:rPr lang="en-US" dirty="0" smtClean="0"/>
+              <a:t>Describe properties in </a:t>
+            </a:r>
+            <a:r>
+              <a:rPr lang="en-US" dirty="0" smtClean="0"/>
+              <a:t>some</a:t>
+            </a:r>
+            <a:r>
+              <a:rPr lang="en-US" dirty="0" smtClean="0"/>
+              <a:t> specification language </a:t>
+            </a:r>
+            <a:r>
+              <a:rPr lang="en-US" dirty="0" smtClean="0"/>
+              <a:t>(e.g., LTL, CTL)</a:t>
+            </a:r>
+          </a:p>
+          <a:p>
+            <a:pPr lvl="1"/>
+            <a:r>
+              <a:rPr lang="en-US" dirty="0" smtClean="0"/>
+              <a:t>Verify </a:t>
+            </a:r>
+            <a:r>
+              <a:rPr lang="en-US" dirty="0" smtClean="0"/>
+              <a:t>properties </a:t>
+            </a:r>
+            <a:r>
+              <a:rPr lang="en-US" dirty="0"/>
+              <a:t>i</a:t>
+            </a:r>
+            <a:r>
+              <a:rPr lang="en-US" dirty="0" smtClean="0"/>
+              <a:t>n </a:t>
+            </a:r>
+            <a:r>
+              <a:rPr lang="en-US" dirty="0" smtClean="0"/>
+              <a:t>LTS</a:t>
+            </a:r>
+          </a:p>
+        </p:txBody>
+      </p:sp>
+      <p:sp>
+        <p:nvSpPr>
+          <p:cNvPr id="4" name="Espaço Reservado para Número de Slide 3"/>
+          <p:cNvSpPr>
+            <a:spLocks noGrp="1"/>
+          </p:cNvSpPr>
+          <p:nvPr>
+            <p:ph type="sldNum" sz="quarter" idx="12"/>
+          </p:nvPr>
+        </p:nvSpPr>
+        <p:spPr/>
+        <p:txBody>
+          <a:bodyPr/>
+          <a:lstStyle/>
+          <a:p>
+            <a:fld id="{8C71CAF9-4461-454A-B702-D536C3775752}" type="slidenum">
+              <a:rPr lang="en-US" smtClean="0"/>
+              <a:t>5</a:t>
+            </a:fld>
+            <a:endParaRPr lang="en-US"/>
+          </a:p>
+        </p:txBody>
+      </p:sp>
+      <p:sp>
+        <p:nvSpPr>
+          <p:cNvPr id="5" name="Espaço Reservado para Número de Slide 3"/>
+          <p:cNvSpPr txBox="1">
+            <a:spLocks/>
           </p:cNvSpPr>
           <p:nvPr/>
         </p:nvSpPr>
-        <p:spPr bwMode="auto">
+        <p:spPr>
           <a:xfrm>
-            <a:off x="307975" y="7937"/>
-            <a:ext cx="304800" cy="304801"/>
+            <a:off x="8610600" y="6356350"/>
+            <a:ext cx="2743200" cy="365125"/>
           </a:xfrm>
           <a:prstGeom prst="rect">
             <a:avLst/>
           </a:prstGeom>
-          <a:noFill/>
-          <a:extLst>
-            <a:ext uri="{909E8E84-426E-40DD-AFC4-6F175D3DCCD1}">
-              <a14:hiddenFill xmlns:a14="http://schemas.microsoft.com/office/drawing/2010/main">
+        </p:spPr>
+        <p:txBody>
+          <a:bodyPr vert="horz" lIns="91440" tIns="45720" rIns="91440" bIns="45720" rtlCol="0" anchor="ctr"/>
+          <a:lstStyle>
+            <a:defPPr>
+              <a:defRPr lang="en-US"/>
+            </a:defPPr>
+            <a:lvl1pPr marL="0" algn="r" defTabSz="914400" rtl="0" eaLnBrk="1" latinLnBrk="0" hangingPunct="1">
+              <a:defRPr sz="1200" kern="1200">
                 <a:solidFill>
-                  <a:srgbClr val="FFFFFF"/>
+                  <a:schemeClr val="tx1">
+                    <a:tint val="75000"/>
+                  </a:schemeClr>
                 </a:solidFill>
-              </a14:hiddenFill>
-            </a:ext>
-          </a:extLst>
-        </p:spPr>
-        <p:txBody>
-          <a:bodyPr vert="horz" wrap="square" lIns="91440" tIns="45720" rIns="91440" bIns="45720" numCol="1" anchor="t" anchorCtr="0" compatLnSpc="1">
-            <a:prstTxWarp prst="textNoShape">
-              <a:avLst/>
-            </a:prstTxWarp>
-          </a:bodyPr>
-          <a:lstStyle/>
-          <a:p>
-            <a:endParaRPr lang="en-US"/>
-          </a:p>
-        </p:txBody>
-      </p:sp>
-      <p:sp>
-        <p:nvSpPr>
-          <p:cNvPr id="7" name="AutoShape 6" descr="Resultado de imagem para model checking"/>
-          <p:cNvSpPr>
-            <a:spLocks noChangeAspect="1" noChangeArrowheads="1"/>
-          </p:cNvSpPr>
-          <p:nvPr/>
-        </p:nvSpPr>
-        <p:spPr bwMode="auto">
-          <a:xfrm>
-            <a:off x="460375" y="160337"/>
-            <a:ext cx="304800" cy="304801"/>
-          </a:xfrm>
-          <a:prstGeom prst="rect">
-            <a:avLst/>
-          </a:prstGeom>
-          <a:noFill/>
-          <a:extLst>
-            <a:ext uri="{909E8E84-426E-40DD-AFC4-6F175D3DCCD1}">
-              <a14:hiddenFill xmlns:a14="http://schemas.microsoft.com/office/drawing/2010/main">
+                <a:latin typeface="+mn-lt"/>
+                <a:ea typeface="+mn-ea"/>
+                <a:cs typeface="+mn-cs"/>
+              </a:defRPr>
+            </a:lvl1pPr>
+            <a:lvl2pPr marL="457200" algn="l" defTabSz="914400" rtl="0" eaLnBrk="1" latinLnBrk="0" hangingPunct="1">
+              <a:defRPr sz="1800" kern="1200">
                 <a:solidFill>
-                  <a:srgbClr val="FFFFFF"/>
+                  <a:schemeClr val="tx1"/>
                 </a:solidFill>
-              </a14:hiddenFill>
-            </a:ext>
-          </a:extLst>
-        </p:spPr>
-        <p:txBody>
-          <a:bodyPr vert="horz" wrap="square" lIns="91440" tIns="45720" rIns="91440" bIns="45720" numCol="1" anchor="t" anchorCtr="0" compatLnSpc="1">
-            <a:prstTxWarp prst="textNoShape">
-              <a:avLst/>
-            </a:prstTxWarp>
-          </a:bodyPr>
-          <a:lstStyle/>
-          <a:p>
+                <a:latin typeface="+mn-lt"/>
+                <a:ea typeface="+mn-ea"/>
+                <a:cs typeface="+mn-cs"/>
+              </a:defRPr>
+            </a:lvl2pPr>
+            <a:lvl3pPr marL="914400" algn="l" defTabSz="914400" rtl="0" eaLnBrk="1" latinLnBrk="0" hangingPunct="1">
+              <a:defRPr sz="1800" kern="1200">
+                <a:solidFill>
+                  <a:schemeClr val="tx1"/>
+                </a:solidFill>
+                <a:latin typeface="+mn-lt"/>
+                <a:ea typeface="+mn-ea"/>
+                <a:cs typeface="+mn-cs"/>
+              </a:defRPr>
+            </a:lvl3pPr>
+            <a:lvl4pPr marL="1371600" algn="l" defTabSz="914400" rtl="0" eaLnBrk="1" latinLnBrk="0" hangingPunct="1">
+              <a:defRPr sz="1800" kern="1200">
+                <a:solidFill>
+                  <a:schemeClr val="tx1"/>
+                </a:solidFill>
+                <a:latin typeface="+mn-lt"/>
+                <a:ea typeface="+mn-ea"/>
+                <a:cs typeface="+mn-cs"/>
+              </a:defRPr>
+            </a:lvl4pPr>
+            <a:lvl5pPr marL="1828800" algn="l" defTabSz="914400" rtl="0" eaLnBrk="1" latinLnBrk="0" hangingPunct="1">
+              <a:defRPr sz="1800" kern="1200">
+                <a:solidFill>
+                  <a:schemeClr val="tx1"/>
+                </a:solidFill>
+                <a:latin typeface="+mn-lt"/>
+                <a:ea typeface="+mn-ea"/>
+                <a:cs typeface="+mn-cs"/>
+              </a:defRPr>
+            </a:lvl5pPr>
+            <a:lvl6pPr marL="2286000" algn="l" defTabSz="914400" rtl="0" eaLnBrk="1" latinLnBrk="0" hangingPunct="1">
+              <a:defRPr sz="1800" kern="1200">
+                <a:solidFill>
+                  <a:schemeClr val="tx1"/>
+                </a:solidFill>
+                <a:latin typeface="+mn-lt"/>
+                <a:ea typeface="+mn-ea"/>
+                <a:cs typeface="+mn-cs"/>
+              </a:defRPr>
+            </a:lvl6pPr>
+            <a:lvl7pPr marL="2743200" algn="l" defTabSz="914400" rtl="0" eaLnBrk="1" latinLnBrk="0" hangingPunct="1">
+              <a:defRPr sz="1800" kern="1200">
+                <a:solidFill>
+                  <a:schemeClr val="tx1"/>
+                </a:solidFill>
+                <a:latin typeface="+mn-lt"/>
+                <a:ea typeface="+mn-ea"/>
+                <a:cs typeface="+mn-cs"/>
+              </a:defRPr>
+            </a:lvl7pPr>
+            <a:lvl8pPr marL="3200400" algn="l" defTabSz="914400" rtl="0" eaLnBrk="1" latinLnBrk="0" hangingPunct="1">
+              <a:defRPr sz="1800" kern="1200">
+                <a:solidFill>
+                  <a:schemeClr val="tx1"/>
+                </a:solidFill>
+                <a:latin typeface="+mn-lt"/>
+                <a:ea typeface="+mn-ea"/>
+                <a:cs typeface="+mn-cs"/>
+              </a:defRPr>
+            </a:lvl8pPr>
+            <a:lvl9pPr marL="3657600" algn="l" defTabSz="914400" rtl="0" eaLnBrk="1" latinLnBrk="0" hangingPunct="1">
+              <a:defRPr sz="1800" kern="1200">
+                <a:solidFill>
+                  <a:schemeClr val="tx1"/>
+                </a:solidFill>
+                <a:latin typeface="+mn-lt"/>
+                <a:ea typeface="+mn-ea"/>
+                <a:cs typeface="+mn-cs"/>
+              </a:defRPr>
+            </a:lvl9pPr>
+          </a:lstStyle>
+          <a:p>
+            <a:fld id="{8C71CAF9-4461-454A-B702-D536C3775752}" type="slidenum">
+              <a:rPr lang="en-US" smtClean="0"/>
+              <a:pPr/>
+              <a:t>5</a:t>
+            </a:fld>
             <a:endParaRPr lang="en-US"/>
           </a:p>
         </p:txBody>
       </p:sp>
       <p:pic>
         <p:nvPicPr>
-          <p:cNvPr id="2056" name="Picture 8" descr="Resultado de imagem para model checking"/>
+          <p:cNvPr id="6" name="Picture 8" descr="Resultado de imagem para model checking"/>
           <p:cNvPicPr>
             <a:picLocks noChangeAspect="1" noChangeArrowheads="1"/>
           </p:cNvPicPr>
@@ -6841,48 +7800,9 @@
           </a:extLst>
         </p:spPr>
       </p:pic>
-      <p:sp>
-        <p:nvSpPr>
-          <p:cNvPr id="8" name="AutoShape 10" descr="Resultado de imagem para spin model checker"/>
-          <p:cNvSpPr>
-            <a:spLocks noChangeAspect="1" noChangeArrowheads="1"/>
-          </p:cNvSpPr>
-          <p:nvPr/>
-        </p:nvSpPr>
-        <p:spPr bwMode="auto">
-          <a:xfrm>
-            <a:off x="612775" y="312737"/>
-            <a:ext cx="304800" cy="304801"/>
-          </a:xfrm>
-          <a:prstGeom prst="rect">
-            <a:avLst/>
-          </a:prstGeom>
-          <a:noFill/>
-          <a:extLst>
-            <a:ext uri="{909E8E84-426E-40DD-AFC4-6F175D3DCCD1}">
-              <a14:hiddenFill xmlns:a14="http://schemas.microsoft.com/office/drawing/2010/main">
-                <a:solidFill>
-                  <a:srgbClr val="FFFFFF"/>
-                </a:solidFill>
-              </a14:hiddenFill>
-            </a:ext>
-          </a:extLst>
-        </p:spPr>
-        <p:txBody>
-          <a:bodyPr vert="horz" wrap="square" lIns="91440" tIns="45720" rIns="91440" bIns="45720" numCol="1" anchor="t" anchorCtr="0" compatLnSpc="1">
-            <a:prstTxWarp prst="textNoShape">
-              <a:avLst/>
-            </a:prstTxWarp>
-          </a:bodyPr>
-          <a:lstStyle/>
-          <a:p>
-            <a:endParaRPr lang="en-US"/>
-          </a:p>
-        </p:txBody>
-      </p:sp>
       <p:pic>
         <p:nvPicPr>
-          <p:cNvPr id="2060" name="Picture 12" descr="Resultado de imagem para spin model checker"/>
+          <p:cNvPr id="7" name="Picture 12" descr="Resultado de imagem para spin model checker"/>
           <p:cNvPicPr>
             <a:picLocks noChangeAspect="1" noChangeArrowheads="1"/>
           </p:cNvPicPr>
@@ -6923,7 +7843,7 @@
       </p:pic>
       <p:pic>
         <p:nvPicPr>
-          <p:cNvPr id="2062" name="Picture 14" descr="Resultado de imagem para alloy model checker book"/>
+          <p:cNvPr id="8" name="Picture 14" descr="Resultado de imagem para alloy model checker book"/>
           <p:cNvPicPr>
             <a:picLocks noChangeAspect="1" noChangeArrowheads="1"/>
           </p:cNvPicPr>
@@ -6964,7 +7884,7 @@
       </p:pic>
       <p:sp>
         <p:nvSpPr>
-          <p:cNvPr id="12" name="Retângulo 11"/>
+          <p:cNvPr id="9" name="Retângulo 8"/>
           <p:cNvSpPr/>
           <p:nvPr/>
         </p:nvSpPr>
@@ -7010,130 +7930,7 @@
     </p:spTree>
     <p:extLst>
       <p:ext uri="{BB962C8B-B14F-4D97-AF65-F5344CB8AC3E}">
-        <p14:creationId xmlns:p14="http://schemas.microsoft.com/office/powerpoint/2010/main" val="1922274180"/>
-      </p:ext>
-    </p:extLst>
-  </p:cSld>
-  <p:clrMapOvr>
-    <a:masterClrMapping/>
-  </p:clrMapOvr>
-  <p:timing>
-    <p:tnLst>
-      <p:par>
-        <p:cTn id="1" dur="indefinite" restart="never" nodeType="tmRoot"/>
-      </p:par>
-    </p:tnLst>
-  </p:timing>
-</p:sld>
-</file>
-
-<file path=ppt/slides/slide5.xml><?xml version="1.0" encoding="utf-8"?>
-<p:sld xmlns:a="http://schemas.openxmlformats.org/drawingml/2006/main" xmlns:r="http://schemas.openxmlformats.org/officeDocument/2006/relationships" xmlns:p="http://schemas.openxmlformats.org/presentationml/2006/main">
-  <p:cSld>
-    <p:spTree>
-      <p:nvGrpSpPr>
-        <p:cNvPr id="1" name=""/>
-        <p:cNvGrpSpPr/>
-        <p:nvPr/>
-      </p:nvGrpSpPr>
-      <p:grpSpPr>
-        <a:xfrm>
-          <a:off x="0" y="0"/>
-          <a:ext cx="0" cy="0"/>
-          <a:chOff x="0" y="0"/>
-          <a:chExt cx="0" cy="0"/>
-        </a:xfrm>
-      </p:grpSpPr>
-      <p:sp>
-        <p:nvSpPr>
-          <p:cNvPr id="2" name="Título 1"/>
-          <p:cNvSpPr>
-            <a:spLocks noGrp="1"/>
-          </p:cNvSpPr>
-          <p:nvPr>
-            <p:ph type="title"/>
-          </p:nvPr>
-        </p:nvSpPr>
-        <p:spPr/>
-        <p:txBody>
-          <a:bodyPr/>
-          <a:lstStyle/>
-          <a:p>
-            <a:r>
-              <a:rPr lang="en-US" dirty="0" smtClean="0"/>
-              <a:t>Program Model Checking</a:t>
-            </a:r>
-            <a:endParaRPr lang="en-US" dirty="0"/>
-          </a:p>
-        </p:txBody>
-      </p:sp>
-      <p:sp>
-        <p:nvSpPr>
-          <p:cNvPr id="3" name="Espaço Reservado para Conteúdo 2"/>
-          <p:cNvSpPr>
-            <a:spLocks noGrp="1"/>
-          </p:cNvSpPr>
-          <p:nvPr>
-            <p:ph idx="1"/>
-          </p:nvPr>
-        </p:nvSpPr>
-        <p:spPr/>
-        <p:txBody>
-          <a:bodyPr/>
-          <a:lstStyle/>
-          <a:p>
-            <a:r>
-              <a:rPr lang="en-US" dirty="0" smtClean="0"/>
-              <a:t>Correct </a:t>
-            </a:r>
-            <a:r>
-              <a:rPr lang="en-US" dirty="0"/>
-              <a:t>d</a:t>
-            </a:r>
-            <a:r>
-              <a:rPr lang="en-US" dirty="0" smtClean="0"/>
-              <a:t>esign does not imply correct implementation</a:t>
-            </a:r>
-          </a:p>
-          <a:p>
-            <a:pPr marL="457200" lvl="1" indent="0">
-              <a:buNone/>
-            </a:pPr>
-            <a:r>
-              <a:rPr lang="en-US" dirty="0" smtClean="0"/>
-              <a:t>=&gt; Checking code is important</a:t>
-            </a:r>
-            <a:endParaRPr lang="en-US" dirty="0" smtClean="0"/>
-          </a:p>
-        </p:txBody>
-      </p:sp>
-      <p:sp>
-        <p:nvSpPr>
-          <p:cNvPr id="4" name="Espaço Reservado para Número de Slide 3"/>
-          <p:cNvSpPr>
-            <a:spLocks noGrp="1"/>
-          </p:cNvSpPr>
-          <p:nvPr>
-            <p:ph type="sldNum" sz="quarter" idx="12"/>
-          </p:nvPr>
-        </p:nvSpPr>
-        <p:spPr/>
-        <p:txBody>
-          <a:bodyPr/>
-          <a:lstStyle/>
-          <a:p>
-            <a:fld id="{8C71CAF9-4461-454A-B702-D536C3775752}" type="slidenum">
-              <a:rPr lang="en-US" smtClean="0"/>
-              <a:t>5</a:t>
-            </a:fld>
-            <a:endParaRPr lang="en-US"/>
-          </a:p>
-        </p:txBody>
-      </p:sp>
-    </p:spTree>
-    <p:extLst>
-      <p:ext uri="{BB962C8B-B14F-4D97-AF65-F5344CB8AC3E}">
-        <p14:creationId xmlns:p14="http://schemas.microsoft.com/office/powerpoint/2010/main" val="468729112"/>
+        <p14:creationId xmlns:p14="http://schemas.microsoft.com/office/powerpoint/2010/main" val="152817599"/>
       </p:ext>
     </p:extLst>
   </p:cSld>
@@ -7207,6 +8004,13 @@
           <a:p>
             <a:r>
               <a:rPr lang="en-US" dirty="0" smtClean="0"/>
+              <a:t>Big gap between design and implementation</a:t>
+            </a:r>
+          </a:p>
+          <a:p>
+            <a:pPr lvl="1"/>
+            <a:r>
+              <a:rPr lang="en-US" dirty="0" smtClean="0"/>
               <a:t>Correct </a:t>
             </a:r>
             <a:r>
@@ -7215,16 +8019,22 @@
             </a:r>
             <a:r>
               <a:rPr lang="en-US" dirty="0" smtClean="0"/>
-              <a:t>esign does not imply correct implementation</a:t>
-            </a:r>
-          </a:p>
-          <a:p>
-            <a:pPr marL="457200" lvl="1" indent="0">
-              <a:buNone/>
-            </a:pPr>
-            <a:r>
-              <a:rPr lang="en-US" dirty="0" smtClean="0"/>
-              <a:t>=&gt; Checking code is important</a:t>
+              <a:t>esign does not imply correct </a:t>
+            </a:r>
+            <a:r>
+              <a:rPr lang="en-US" dirty="0" smtClean="0"/>
+              <a:t>implementation</a:t>
+            </a:r>
+          </a:p>
+          <a:p>
+            <a:pPr lvl="1"/>
+            <a:r>
+              <a:rPr lang="en-US" dirty="0" smtClean="0"/>
+              <a:t>Systematic</a:t>
+            </a:r>
+            <a:r>
+              <a:rPr lang="en-US" dirty="0" smtClean="0"/>
+              <a:t> refinement of models is rare</a:t>
             </a:r>
             <a:endParaRPr lang="en-US" dirty="0" smtClean="0"/>
           </a:p>
@@ -7253,63 +8063,10 @@
           </a:p>
         </p:txBody>
       </p:sp>
-      <p:sp>
-        <p:nvSpPr>
-          <p:cNvPr id="6" name="Retângulo 5"/>
-          <p:cNvSpPr/>
-          <p:nvPr/>
-        </p:nvSpPr>
-        <p:spPr>
-          <a:xfrm>
-            <a:off x="2459736" y="3361944"/>
-            <a:ext cx="7159752" cy="1481328"/>
-          </a:xfrm>
-          <a:prstGeom prst="rect">
-            <a:avLst/>
-          </a:prstGeom>
-          <a:solidFill>
-            <a:srgbClr val="FFFF00"/>
-          </a:solidFill>
-        </p:spPr>
-        <p:style>
-          <a:lnRef idx="2">
-            <a:schemeClr val="dk1"/>
-          </a:lnRef>
-          <a:fillRef idx="1">
-            <a:schemeClr val="lt1"/>
-          </a:fillRef>
-          <a:effectRef idx="0">
-            <a:schemeClr val="dk1"/>
-          </a:effectRef>
-          <a:fontRef idx="minor">
-            <a:schemeClr val="dk1"/>
-          </a:fontRef>
-        </p:style>
-        <p:txBody>
-          <a:bodyPr rtlCol="0" anchor="ctr"/>
-          <a:lstStyle/>
-          <a:p>
-            <a:pPr algn="ctr"/>
-            <a:r>
-              <a:rPr lang="en-US" sz="3200" dirty="0" smtClean="0"/>
-              <a:t>This tutorial is about Model Checking </a:t>
-            </a:r>
-            <a:r>
-              <a:rPr lang="en-US" sz="3200" b="1" dirty="0" smtClean="0"/>
-              <a:t>code</a:t>
-            </a:r>
-            <a:r>
-              <a:rPr lang="en-US" sz="3200" dirty="0" smtClean="0"/>
-              <a:t> as opposed to designs</a:t>
-            </a:r>
-            <a:endParaRPr lang="en-US" sz="3200" dirty="0"/>
-          </a:p>
-        </p:txBody>
-      </p:sp>
     </p:spTree>
     <p:extLst>
       <p:ext uri="{BB962C8B-B14F-4D97-AF65-F5344CB8AC3E}">
-        <p14:creationId xmlns:p14="http://schemas.microsoft.com/office/powerpoint/2010/main" val="3700658091"/>
+        <p14:creationId xmlns:p14="http://schemas.microsoft.com/office/powerpoint/2010/main" val="468729112"/>
       </p:ext>
     </p:extLst>
   </p:cSld>
@@ -7360,7 +8117,7 @@
           <a:p>
             <a:r>
               <a:rPr lang="en-US" dirty="0" smtClean="0"/>
-              <a:t>Design Choices</a:t>
+              <a:t>Program Model Checking</a:t>
             </a:r>
             <a:endParaRPr lang="en-US" dirty="0"/>
           </a:p>
@@ -7383,48 +8140,34 @@
           <a:p>
             <a:r>
               <a:rPr lang="en-US" dirty="0" smtClean="0"/>
-              <a:t>Programming Language</a:t>
+              <a:t>Big gap between design and implementation</a:t>
             </a:r>
           </a:p>
           <a:p>
             <a:pPr lvl="1"/>
             <a:r>
               <a:rPr lang="en-US" dirty="0" smtClean="0"/>
-              <a:t>Can make a huge difference in complexity.  Think of pointers, dynamic binding, reflection, native methods, libraries, etc.</a:t>
-            </a:r>
-          </a:p>
-          <a:p>
-            <a:r>
-              <a:rPr lang="en-US" dirty="0" smtClean="0"/>
-              <a:t>State Representation: Explicit or Symbolic</a:t>
+              <a:t>Correct </a:t>
+            </a:r>
+            <a:r>
+              <a:rPr lang="en-US" dirty="0"/>
+              <a:t>d</a:t>
+            </a:r>
+            <a:r>
+              <a:rPr lang="en-US" dirty="0" smtClean="0"/>
+              <a:t>esign does not imply correct </a:t>
+            </a:r>
+            <a:r>
+              <a:rPr lang="en-US" dirty="0" smtClean="0"/>
+              <a:t>implementation</a:t>
             </a:r>
           </a:p>
           <a:p>
             <a:pPr lvl="1"/>
             <a:r>
-              <a:rPr lang="en-US" dirty="0" smtClean="0"/>
-              <a:t>Tradeoff between time and space</a:t>
-            </a:r>
-          </a:p>
-          <a:p>
-            <a:r>
-              <a:rPr lang="en-US" dirty="0" smtClean="0"/>
-              <a:t>Concurrency</a:t>
-            </a:r>
-          </a:p>
-          <a:p>
-            <a:pPr lvl="1"/>
-            <a:r>
-              <a:rPr lang="en-US" dirty="0" smtClean="0"/>
-              <a:t>Can be big source of problems such as data races and deadlocks</a:t>
-            </a:r>
-          </a:p>
-          <a:p>
-            <a:pPr lvl="1"/>
-            <a:endParaRPr lang="en-US" dirty="0" smtClean="0"/>
-          </a:p>
-          <a:p>
-            <a:endParaRPr lang="en-US" dirty="0"/>
+              <a:rPr lang="en-US" dirty="0"/>
+              <a:t>Systematic refinement of models is rare</a:t>
+            </a:r>
           </a:p>
         </p:txBody>
       </p:sp>
@@ -7451,10 +8194,83 @@
           </a:p>
         </p:txBody>
       </p:sp>
+      <p:sp>
+        <p:nvSpPr>
+          <p:cNvPr id="5" name="Retângulo 4"/>
+          <p:cNvSpPr/>
+          <p:nvPr/>
+        </p:nvSpPr>
+        <p:spPr>
+          <a:xfrm>
+            <a:off x="2057400" y="3533394"/>
+            <a:ext cx="8069580" cy="1481328"/>
+          </a:xfrm>
+          <a:prstGeom prst="rect">
+            <a:avLst/>
+          </a:prstGeom>
+          <a:solidFill>
+            <a:srgbClr val="FFFF00"/>
+          </a:solidFill>
+        </p:spPr>
+        <p:style>
+          <a:lnRef idx="2">
+            <a:schemeClr val="dk1"/>
+          </a:lnRef>
+          <a:fillRef idx="1">
+            <a:schemeClr val="lt1"/>
+          </a:fillRef>
+          <a:effectRef idx="0">
+            <a:schemeClr val="dk1"/>
+          </a:effectRef>
+          <a:fontRef idx="minor">
+            <a:schemeClr val="dk1"/>
+          </a:fontRef>
+        </p:style>
+        <p:txBody>
+          <a:bodyPr rtlCol="0" anchor="ctr"/>
+          <a:lstStyle/>
+          <a:p>
+            <a:pPr algn="ctr"/>
+            <a:r>
+              <a:rPr lang="en-US" sz="3200" dirty="0" smtClean="0"/>
+              <a:t>This tutorial is about </a:t>
+            </a:r>
+            <a:r>
+              <a:rPr lang="en-US" sz="3200" dirty="0" smtClean="0"/>
+              <a:t>Program Model </a:t>
+            </a:r>
+            <a:r>
+              <a:rPr lang="en-US" sz="3200" dirty="0" smtClean="0"/>
+              <a:t>Checking </a:t>
+            </a:r>
+            <a:r>
+              <a:rPr lang="en-US" sz="3200" dirty="0" smtClean="0"/>
+              <a:t>as </a:t>
+            </a:r>
+            <a:r>
+              <a:rPr lang="en-US" sz="3200" dirty="0" smtClean="0"/>
+              <a:t>opposed to </a:t>
+            </a:r>
+            <a:r>
+              <a:rPr lang="en-US" sz="3200" dirty="0" smtClean="0"/>
+              <a:t>Model </a:t>
+            </a:r>
+            <a:r>
+              <a:rPr lang="en-US" sz="3200" dirty="0" smtClean="0"/>
+              <a:t>Checking of </a:t>
+            </a:r>
+            <a:r>
+              <a:rPr lang="en-US" sz="3200" dirty="0" smtClean="0"/>
+              <a:t>Designs</a:t>
+            </a:r>
+            <a:endParaRPr lang="en-US" sz="3200" dirty="0"/>
+          </a:p>
+        </p:txBody>
+      </p:sp>
     </p:spTree>
     <p:extLst>
       <p:ext uri="{BB962C8B-B14F-4D97-AF65-F5344CB8AC3E}">
-        <p14:creationId xmlns:p14="http://schemas.microsoft.com/office/powerpoint/2010/main" val="268918154"/>
+        <p14:creationId xmlns:p14="http://schemas.microsoft.com/office/powerpoint/2010/main" val="1242718305"/>
       </p:ext>
     </p:extLst>
   </p:cSld>
@@ -7505,8 +8321,87 @@
           <a:p>
             <a:r>
               <a:rPr lang="en-US" dirty="0" smtClean="0"/>
-              <a:t>This Tutorial</a:t>
-            </a:r>
+              <a:t>Design Choices</a:t>
+            </a:r>
+            <a:endParaRPr lang="en-US" dirty="0"/>
+          </a:p>
+        </p:txBody>
+      </p:sp>
+      <p:sp>
+        <p:nvSpPr>
+          <p:cNvPr id="3" name="Espaço Reservado para Conteúdo 2"/>
+          <p:cNvSpPr>
+            <a:spLocks noGrp="1"/>
+          </p:cNvSpPr>
+          <p:nvPr>
+            <p:ph idx="1"/>
+          </p:nvPr>
+        </p:nvSpPr>
+        <p:spPr/>
+        <p:txBody>
+          <a:bodyPr/>
+          <a:lstStyle/>
+          <a:p>
+            <a:r>
+              <a:rPr lang="en-US" dirty="0" smtClean="0"/>
+              <a:t>Programming Language</a:t>
+            </a:r>
+          </a:p>
+          <a:p>
+            <a:pPr lvl="1"/>
+            <a:r>
+              <a:rPr lang="en-US" dirty="0" smtClean="0"/>
+              <a:t>Can make a huge difference in complexity.  Think of pointers, dynamic binding, reflection, native methods, libraries, etc.</a:t>
+            </a:r>
+          </a:p>
+          <a:p>
+            <a:r>
+              <a:rPr lang="en-US" dirty="0" smtClean="0"/>
+              <a:t>State Representation: Explicit or Symbolic</a:t>
+            </a:r>
+          </a:p>
+          <a:p>
+            <a:pPr lvl="1"/>
+            <a:r>
+              <a:rPr lang="en-US" dirty="0" smtClean="0"/>
+              <a:t>Tradeoff between time and space</a:t>
+            </a:r>
+          </a:p>
+          <a:p>
+            <a:r>
+              <a:rPr lang="en-US" dirty="0" smtClean="0"/>
+              <a:t>Concurrency</a:t>
+            </a:r>
+          </a:p>
+          <a:p>
+            <a:pPr lvl="1"/>
+            <a:r>
+              <a:rPr lang="en-US" dirty="0" smtClean="0"/>
+              <a:t>Big </a:t>
+            </a:r>
+            <a:r>
+              <a:rPr lang="en-US" dirty="0" smtClean="0"/>
+              <a:t>source of </a:t>
+            </a:r>
+            <a:r>
+              <a:rPr lang="en-US" dirty="0" smtClean="0"/>
+              <a:t>problems. E.g., data races </a:t>
+            </a:r>
+            <a:r>
+              <a:rPr lang="en-US" dirty="0" smtClean="0"/>
+              <a:t>and </a:t>
+            </a:r>
+            <a:r>
+              <a:rPr lang="en-US" dirty="0" smtClean="0"/>
+              <a:t>deadlocks</a:t>
+            </a:r>
+            <a:endParaRPr lang="en-US" dirty="0" smtClean="0"/>
+          </a:p>
+          <a:p>
+            <a:pPr lvl="1"/>
+            <a:endParaRPr lang="en-US" dirty="0" smtClean="0"/>
+          </a:p>
+          <a:p>
             <a:endParaRPr lang="en-US" dirty="0"/>
           </a:p>
         </p:txBody>
@@ -7529,6 +8424,89 @@
             <a:fld id="{8C71CAF9-4461-454A-B702-D536C3775752}" type="slidenum">
               <a:rPr lang="en-US" smtClean="0"/>
               <a:t>8</a:t>
+            </a:fld>
+            <a:endParaRPr lang="en-US"/>
+          </a:p>
+        </p:txBody>
+      </p:sp>
+    </p:spTree>
+    <p:extLst>
+      <p:ext uri="{BB962C8B-B14F-4D97-AF65-F5344CB8AC3E}">
+        <p14:creationId xmlns:p14="http://schemas.microsoft.com/office/powerpoint/2010/main" val="268918154"/>
+      </p:ext>
+    </p:extLst>
+  </p:cSld>
+  <p:clrMapOvr>
+    <a:masterClrMapping/>
+  </p:clrMapOvr>
+  <p:timing>
+    <p:tnLst>
+      <p:par>
+        <p:cTn id="1" dur="indefinite" restart="never" nodeType="tmRoot"/>
+      </p:par>
+    </p:tnLst>
+  </p:timing>
+</p:sld>
+</file>
+
+<file path=ppt/slides/slide9.xml><?xml version="1.0" encoding="utf-8"?>
+<p:sld xmlns:a="http://schemas.openxmlformats.org/drawingml/2006/main" xmlns:r="http://schemas.openxmlformats.org/officeDocument/2006/relationships" xmlns:p="http://schemas.openxmlformats.org/presentationml/2006/main">
+  <p:cSld>
+    <p:spTree>
+      <p:nvGrpSpPr>
+        <p:cNvPr id="1" name=""/>
+        <p:cNvGrpSpPr/>
+        <p:nvPr/>
+      </p:nvGrpSpPr>
+      <p:grpSpPr>
+        <a:xfrm>
+          <a:off x="0" y="0"/>
+          <a:ext cx="0" cy="0"/>
+          <a:chOff x="0" y="0"/>
+          <a:chExt cx="0" cy="0"/>
+        </a:xfrm>
+      </p:grpSpPr>
+      <p:sp>
+        <p:nvSpPr>
+          <p:cNvPr id="2" name="Título 1"/>
+          <p:cNvSpPr>
+            <a:spLocks noGrp="1"/>
+          </p:cNvSpPr>
+          <p:nvPr>
+            <p:ph type="title"/>
+          </p:nvPr>
+        </p:nvSpPr>
+        <p:spPr/>
+        <p:txBody>
+          <a:bodyPr/>
+          <a:lstStyle/>
+          <a:p>
+            <a:r>
+              <a:rPr lang="en-US" dirty="0" smtClean="0"/>
+              <a:t>This Tutorial</a:t>
+            </a:r>
+            <a:endParaRPr lang="en-US" dirty="0"/>
+          </a:p>
+        </p:txBody>
+      </p:sp>
+      <p:sp>
+        <p:nvSpPr>
+          <p:cNvPr id="4" name="Espaço Reservado para Número de Slide 3"/>
+          <p:cNvSpPr>
+            <a:spLocks noGrp="1"/>
+          </p:cNvSpPr>
+          <p:nvPr>
+            <p:ph type="sldNum" sz="quarter" idx="12"/>
+          </p:nvPr>
+        </p:nvSpPr>
+        <p:spPr/>
+        <p:txBody>
+          <a:bodyPr/>
+          <a:lstStyle/>
+          <a:p>
+            <a:fld id="{8C71CAF9-4461-454A-B702-D536C3775752}" type="slidenum">
+              <a:rPr lang="en-US" smtClean="0"/>
+              <a:t>9</a:t>
             </a:fld>
             <a:endParaRPr lang="en-US"/>
           </a:p>
@@ -7599,11 +8577,7 @@
                       <a:pPr algn="ctr"/>
                       <a:r>
                         <a:rPr lang="en-US" sz="2800" dirty="0" smtClean="0"/>
-                        <a:t>State </a:t>
-                      </a:r>
-                      <a:r>
-                        <a:rPr lang="en-US" sz="2800" dirty="0" smtClean="0"/>
-                        <a:t>Representation</a:t>
+                        <a:t>State Representation</a:t>
                       </a:r>
                       <a:endParaRPr lang="en-US" sz="2800" dirty="0"/>
                     </a:p>
@@ -8004,101 +8978,6 @@
 </p:sld>
 </file>
 
-<file path=ppt/slides/slide9.xml><?xml version="1.0" encoding="utf-8"?>
-<p:sld xmlns:a="http://schemas.openxmlformats.org/drawingml/2006/main" xmlns:r="http://schemas.openxmlformats.org/officeDocument/2006/relationships" xmlns:p="http://schemas.openxmlformats.org/presentationml/2006/main">
-  <p:cSld>
-    <p:spTree>
-      <p:nvGrpSpPr>
-        <p:cNvPr id="1" name=""/>
-        <p:cNvGrpSpPr/>
-        <p:nvPr/>
-      </p:nvGrpSpPr>
-      <p:grpSpPr>
-        <a:xfrm>
-          <a:off x="0" y="0"/>
-          <a:ext cx="0" cy="0"/>
-          <a:chOff x="0" y="0"/>
-          <a:chExt cx="0" cy="0"/>
-        </a:xfrm>
-      </p:grpSpPr>
-      <p:sp>
-        <p:nvSpPr>
-          <p:cNvPr id="2" name="Título 1"/>
-          <p:cNvSpPr>
-            <a:spLocks noGrp="1"/>
-          </p:cNvSpPr>
-          <p:nvPr>
-            <p:ph type="title"/>
-          </p:nvPr>
-        </p:nvSpPr>
-        <p:spPr/>
-        <p:txBody>
-          <a:bodyPr/>
-          <a:lstStyle/>
-          <a:p>
-            <a:r>
-              <a:rPr lang="en-US" dirty="0" smtClean="0"/>
-              <a:t>Java Pathfinder (JPF)</a:t>
-            </a:r>
-            <a:endParaRPr lang="en-US" dirty="0"/>
-          </a:p>
-        </p:txBody>
-      </p:sp>
-      <p:sp>
-        <p:nvSpPr>
-          <p:cNvPr id="3" name="Espaço Reservado para Texto 2"/>
-          <p:cNvSpPr>
-            <a:spLocks noGrp="1"/>
-          </p:cNvSpPr>
-          <p:nvPr>
-            <p:ph type="body" idx="1"/>
-          </p:nvPr>
-        </p:nvSpPr>
-        <p:spPr/>
-        <p:txBody>
-          <a:bodyPr/>
-          <a:lstStyle/>
-          <a:p>
-            <a:endParaRPr lang="en-US"/>
-          </a:p>
-        </p:txBody>
-      </p:sp>
-      <p:sp>
-        <p:nvSpPr>
-          <p:cNvPr id="4" name="Espaço Reservado para Número de Slide 3"/>
-          <p:cNvSpPr>
-            <a:spLocks noGrp="1"/>
-          </p:cNvSpPr>
-          <p:nvPr>
-            <p:ph type="sldNum" sz="quarter" idx="12"/>
-          </p:nvPr>
-        </p:nvSpPr>
-        <p:spPr/>
-        <p:txBody>
-          <a:bodyPr/>
-          <a:lstStyle/>
-          <a:p>
-            <a:fld id="{8C71CAF9-4461-454A-B702-D536C3775752}" type="slidenum">
-              <a:rPr lang="en-US" smtClean="0"/>
-              <a:t>9</a:t>
-            </a:fld>
-            <a:endParaRPr lang="en-US"/>
-          </a:p>
-        </p:txBody>
-      </p:sp>
-    </p:spTree>
-    <p:extLst>
-      <p:ext uri="{BB962C8B-B14F-4D97-AF65-F5344CB8AC3E}">
-        <p14:creationId xmlns:p14="http://schemas.microsoft.com/office/powerpoint/2010/main" val="1085754501"/>
-      </p:ext>
-    </p:extLst>
-  </p:cSld>
-  <p:clrMapOvr>
-    <a:masterClrMapping/>
-  </p:clrMapOvr>
-</p:sld>
-</file>
-
 <file path=ppt/theme/theme1.xml><?xml version="1.0" encoding="utf-8"?>
 <a:theme xmlns:a="http://schemas.openxmlformats.org/drawingml/2006/main" name="Office Theme">
   <a:themeElements>
@@ -8354,7 +9233,7 @@
   <a:extraClrSchemeLst/>
   <a:extLst>
     <a:ext uri="{05A4C25C-085E-4340-85A3-A5531E510DB2}">
-      <thm15:themeFamily xmlns="" xmlns:thm15="http://schemas.microsoft.com/office/thememl/2012/main" name="Office Theme" id="{62F939B6-93AF-4DB8-9C6B-D6C7DFDC589F}" vid="{4A3C46E8-61CC-4603-A589-7422A47A8E4A}"/>
+      <thm15:themeFamily xmlns:thm15="http://schemas.microsoft.com/office/thememl/2012/main" xmlns="" name="Office Theme" id="{62F939B6-93AF-4DB8-9C6B-D6C7DFDC589F}" vid="{4A3C46E8-61CC-4603-A589-7422A47A8E4A}"/>
     </a:ext>
   </a:extLst>
 </a:theme>
